--- a/기상데이터분석 인공지능활용 창업경진대회/결승전 준비/대전지역 폭염 예측 기술 _해와 달 사이 그대(선문대)_결승전.pptx
+++ b/기상데이터분석 인공지능활용 창업경진대회/결승전 준비/대전지역 폭염 예측 기술 _해와 달 사이 그대(선문대)_결승전.pptx
@@ -209,7 +209,7 @@
           <a:p>
             <a:fld id="{CE102994-E150-4922-973C-6D1EC76658FA}" type="datetimeFigureOut">
               <a:rPr lang="ko-KR" altLang="en-US" smtClean="0"/>
-              <a:t>2019-07-10</a:t>
+              <a:t>2019-07-12</a:t>
             </a:fld>
             <a:endParaRPr lang="ko-KR" altLang="en-US"/>
           </a:p>
@@ -273,38 +273,37 @@
           <a:p>
             <a:pPr lvl="0"/>
             <a:r>
-              <a:rPr lang="ko-KR" altLang="en-US" smtClean="0"/>
+              <a:rPr lang="ko-KR" altLang="en-US"/>
               <a:t>마스터 텍스트 스타일 편집</a:t>
             </a:r>
           </a:p>
           <a:p>
             <a:pPr lvl="1"/>
             <a:r>
-              <a:rPr lang="ko-KR" altLang="en-US" smtClean="0"/>
+              <a:rPr lang="ko-KR" altLang="en-US"/>
               <a:t>둘째 수준</a:t>
             </a:r>
           </a:p>
           <a:p>
             <a:pPr lvl="2"/>
             <a:r>
-              <a:rPr lang="ko-KR" altLang="en-US" smtClean="0"/>
+              <a:rPr lang="ko-KR" altLang="en-US"/>
               <a:t>셋째 수준</a:t>
             </a:r>
           </a:p>
           <a:p>
             <a:pPr lvl="3"/>
             <a:r>
-              <a:rPr lang="ko-KR" altLang="en-US" smtClean="0"/>
+              <a:rPr lang="ko-KR" altLang="en-US"/>
               <a:t>넷째 수준</a:t>
             </a:r>
           </a:p>
           <a:p>
             <a:pPr lvl="4"/>
             <a:r>
-              <a:rPr lang="ko-KR" altLang="en-US" smtClean="0"/>
+              <a:rPr lang="ko-KR" altLang="en-US"/>
               <a:t>다섯째 수준</a:t>
             </a:r>
-            <a:endParaRPr lang="ko-KR" altLang="en-US"/>
           </a:p>
         </p:txBody>
       </p:sp>
@@ -651,10 +650,9 @@
           </a:lstStyle>
           <a:p>
             <a:r>
-              <a:rPr lang="ko-KR" altLang="en-US" smtClean="0"/>
+              <a:rPr lang="ko-KR" altLang="en-US"/>
               <a:t>마스터 제목 스타일 편집</a:t>
             </a:r>
-            <a:endParaRPr lang="ko-KR" altLang="en-US"/>
           </a:p>
         </p:txBody>
       </p:sp>
@@ -716,10 +714,9 @@
           </a:lstStyle>
           <a:p>
             <a:r>
-              <a:rPr lang="ko-KR" altLang="en-US" smtClean="0"/>
+              <a:rPr lang="ko-KR" altLang="en-US"/>
               <a:t>클릭하여 마스터 부제목 스타일 편집</a:t>
             </a:r>
-            <a:endParaRPr lang="ko-KR" altLang="en-US"/>
           </a:p>
         </p:txBody>
       </p:sp>
@@ -740,7 +737,7 @@
           <a:p>
             <a:fld id="{356ACF26-6357-4F55-9EF5-AD34D4D37933}" type="datetimeFigureOut">
               <a:rPr lang="ko-KR" altLang="en-US" smtClean="0"/>
-              <a:t>2019-07-10</a:t>
+              <a:t>2019-07-12</a:t>
             </a:fld>
             <a:endParaRPr lang="ko-KR" altLang="en-US"/>
           </a:p>
@@ -834,10 +831,9 @@
           <a:lstStyle/>
           <a:p>
             <a:r>
-              <a:rPr lang="ko-KR" altLang="en-US" smtClean="0"/>
+              <a:rPr lang="ko-KR" altLang="en-US"/>
               <a:t>마스터 제목 스타일 편집</a:t>
             </a:r>
-            <a:endParaRPr lang="ko-KR" altLang="en-US"/>
           </a:p>
         </p:txBody>
       </p:sp>
@@ -858,38 +854,37 @@
           <a:p>
             <a:pPr lvl="0"/>
             <a:r>
-              <a:rPr lang="ko-KR" altLang="en-US" smtClean="0"/>
+              <a:rPr lang="ko-KR" altLang="en-US"/>
               <a:t>마스터 텍스트 스타일 편집</a:t>
             </a:r>
           </a:p>
           <a:p>
             <a:pPr lvl="1"/>
             <a:r>
-              <a:rPr lang="ko-KR" altLang="en-US" smtClean="0"/>
+              <a:rPr lang="ko-KR" altLang="en-US"/>
               <a:t>둘째 수준</a:t>
             </a:r>
           </a:p>
           <a:p>
             <a:pPr lvl="2"/>
             <a:r>
-              <a:rPr lang="ko-KR" altLang="en-US" smtClean="0"/>
+              <a:rPr lang="ko-KR" altLang="en-US"/>
               <a:t>셋째 수준</a:t>
             </a:r>
           </a:p>
           <a:p>
             <a:pPr lvl="3"/>
             <a:r>
-              <a:rPr lang="ko-KR" altLang="en-US" smtClean="0"/>
+              <a:rPr lang="ko-KR" altLang="en-US"/>
               <a:t>넷째 수준</a:t>
             </a:r>
           </a:p>
           <a:p>
             <a:pPr lvl="4"/>
             <a:r>
-              <a:rPr lang="ko-KR" altLang="en-US" smtClean="0"/>
+              <a:rPr lang="ko-KR" altLang="en-US"/>
               <a:t>다섯째 수준</a:t>
             </a:r>
-            <a:endParaRPr lang="ko-KR" altLang="en-US"/>
           </a:p>
         </p:txBody>
       </p:sp>
@@ -910,7 +905,7 @@
           <a:p>
             <a:fld id="{356ACF26-6357-4F55-9EF5-AD34D4D37933}" type="datetimeFigureOut">
               <a:rPr lang="ko-KR" altLang="en-US" smtClean="0"/>
-              <a:t>2019-07-10</a:t>
+              <a:t>2019-07-12</a:t>
             </a:fld>
             <a:endParaRPr lang="ko-KR" altLang="en-US"/>
           </a:p>
@@ -1009,10 +1004,9 @@
           <a:lstStyle/>
           <a:p>
             <a:r>
-              <a:rPr lang="ko-KR" altLang="en-US" smtClean="0"/>
+              <a:rPr lang="ko-KR" altLang="en-US"/>
               <a:t>마스터 제목 스타일 편집</a:t>
             </a:r>
-            <a:endParaRPr lang="ko-KR" altLang="en-US"/>
           </a:p>
         </p:txBody>
       </p:sp>
@@ -1038,38 +1032,37 @@
           <a:p>
             <a:pPr lvl="0"/>
             <a:r>
-              <a:rPr lang="ko-KR" altLang="en-US" smtClean="0"/>
+              <a:rPr lang="ko-KR" altLang="en-US"/>
               <a:t>마스터 텍스트 스타일 편집</a:t>
             </a:r>
           </a:p>
           <a:p>
             <a:pPr lvl="1"/>
             <a:r>
-              <a:rPr lang="ko-KR" altLang="en-US" smtClean="0"/>
+              <a:rPr lang="ko-KR" altLang="en-US"/>
               <a:t>둘째 수준</a:t>
             </a:r>
           </a:p>
           <a:p>
             <a:pPr lvl="2"/>
             <a:r>
-              <a:rPr lang="ko-KR" altLang="en-US" smtClean="0"/>
+              <a:rPr lang="ko-KR" altLang="en-US"/>
               <a:t>셋째 수준</a:t>
             </a:r>
           </a:p>
           <a:p>
             <a:pPr lvl="3"/>
             <a:r>
-              <a:rPr lang="ko-KR" altLang="en-US" smtClean="0"/>
+              <a:rPr lang="ko-KR" altLang="en-US"/>
               <a:t>넷째 수준</a:t>
             </a:r>
           </a:p>
           <a:p>
             <a:pPr lvl="4"/>
             <a:r>
-              <a:rPr lang="ko-KR" altLang="en-US" smtClean="0"/>
+              <a:rPr lang="ko-KR" altLang="en-US"/>
               <a:t>다섯째 수준</a:t>
             </a:r>
-            <a:endParaRPr lang="ko-KR" altLang="en-US"/>
           </a:p>
         </p:txBody>
       </p:sp>
@@ -1090,7 +1083,7 @@
           <a:p>
             <a:fld id="{356ACF26-6357-4F55-9EF5-AD34D4D37933}" type="datetimeFigureOut">
               <a:rPr lang="ko-KR" altLang="en-US" smtClean="0"/>
-              <a:t>2019-07-10</a:t>
+              <a:t>2019-07-12</a:t>
             </a:fld>
             <a:endParaRPr lang="ko-KR" altLang="en-US"/>
           </a:p>
@@ -1184,10 +1177,9 @@
           <a:lstStyle/>
           <a:p>
             <a:r>
-              <a:rPr lang="ko-KR" altLang="en-US" smtClean="0"/>
+              <a:rPr lang="ko-KR" altLang="en-US"/>
               <a:t>마스터 제목 스타일 편집</a:t>
             </a:r>
-            <a:endParaRPr lang="ko-KR" altLang="en-US"/>
           </a:p>
         </p:txBody>
       </p:sp>
@@ -1208,38 +1200,37 @@
           <a:p>
             <a:pPr lvl="0"/>
             <a:r>
-              <a:rPr lang="ko-KR" altLang="en-US" smtClean="0"/>
+              <a:rPr lang="ko-KR" altLang="en-US"/>
               <a:t>마스터 텍스트 스타일 편집</a:t>
             </a:r>
           </a:p>
           <a:p>
             <a:pPr lvl="1"/>
             <a:r>
-              <a:rPr lang="ko-KR" altLang="en-US" smtClean="0"/>
+              <a:rPr lang="ko-KR" altLang="en-US"/>
               <a:t>둘째 수준</a:t>
             </a:r>
           </a:p>
           <a:p>
             <a:pPr lvl="2"/>
             <a:r>
-              <a:rPr lang="ko-KR" altLang="en-US" smtClean="0"/>
+              <a:rPr lang="ko-KR" altLang="en-US"/>
               <a:t>셋째 수준</a:t>
             </a:r>
           </a:p>
           <a:p>
             <a:pPr lvl="3"/>
             <a:r>
-              <a:rPr lang="ko-KR" altLang="en-US" smtClean="0"/>
+              <a:rPr lang="ko-KR" altLang="en-US"/>
               <a:t>넷째 수준</a:t>
             </a:r>
           </a:p>
           <a:p>
             <a:pPr lvl="4"/>
             <a:r>
-              <a:rPr lang="ko-KR" altLang="en-US" smtClean="0"/>
+              <a:rPr lang="ko-KR" altLang="en-US"/>
               <a:t>다섯째 수준</a:t>
             </a:r>
-            <a:endParaRPr lang="ko-KR" altLang="en-US"/>
           </a:p>
         </p:txBody>
       </p:sp>
@@ -1260,7 +1251,7 @@
           <a:p>
             <a:fld id="{356ACF26-6357-4F55-9EF5-AD34D4D37933}" type="datetimeFigureOut">
               <a:rPr lang="ko-KR" altLang="en-US" smtClean="0"/>
-              <a:t>2019-07-10</a:t>
+              <a:t>2019-07-12</a:t>
             </a:fld>
             <a:endParaRPr lang="ko-KR" altLang="en-US"/>
           </a:p>
@@ -1363,10 +1354,9 @@
           </a:lstStyle>
           <a:p>
             <a:r>
-              <a:rPr lang="ko-KR" altLang="en-US" smtClean="0"/>
+              <a:rPr lang="ko-KR" altLang="en-US"/>
               <a:t>마스터 제목 스타일 편집</a:t>
             </a:r>
-            <a:endParaRPr lang="ko-KR" altLang="en-US"/>
           </a:p>
         </p:txBody>
       </p:sp>
@@ -1483,7 +1473,7 @@
           <a:p>
             <a:pPr lvl="0"/>
             <a:r>
-              <a:rPr lang="ko-KR" altLang="en-US" smtClean="0"/>
+              <a:rPr lang="ko-KR" altLang="en-US"/>
               <a:t>마스터 텍스트 스타일 편집</a:t>
             </a:r>
           </a:p>
@@ -1506,7 +1496,7 @@
           <a:p>
             <a:fld id="{356ACF26-6357-4F55-9EF5-AD34D4D37933}" type="datetimeFigureOut">
               <a:rPr lang="ko-KR" altLang="en-US" smtClean="0"/>
-              <a:t>2019-07-10</a:t>
+              <a:t>2019-07-12</a:t>
             </a:fld>
             <a:endParaRPr lang="ko-KR" altLang="en-US"/>
           </a:p>
@@ -1600,10 +1590,9 @@
           <a:lstStyle/>
           <a:p>
             <a:r>
-              <a:rPr lang="ko-KR" altLang="en-US" smtClean="0"/>
+              <a:rPr lang="ko-KR" altLang="en-US"/>
               <a:t>마스터 제목 스타일 편집</a:t>
             </a:r>
-            <a:endParaRPr lang="ko-KR" altLang="en-US"/>
           </a:p>
         </p:txBody>
       </p:sp>
@@ -1629,38 +1618,37 @@
           <a:p>
             <a:pPr lvl="0"/>
             <a:r>
-              <a:rPr lang="ko-KR" altLang="en-US" smtClean="0"/>
+              <a:rPr lang="ko-KR" altLang="en-US"/>
               <a:t>마스터 텍스트 스타일 편집</a:t>
             </a:r>
           </a:p>
           <a:p>
             <a:pPr lvl="1"/>
             <a:r>
-              <a:rPr lang="ko-KR" altLang="en-US" smtClean="0"/>
+              <a:rPr lang="ko-KR" altLang="en-US"/>
               <a:t>둘째 수준</a:t>
             </a:r>
           </a:p>
           <a:p>
             <a:pPr lvl="2"/>
             <a:r>
-              <a:rPr lang="ko-KR" altLang="en-US" smtClean="0"/>
+              <a:rPr lang="ko-KR" altLang="en-US"/>
               <a:t>셋째 수준</a:t>
             </a:r>
           </a:p>
           <a:p>
             <a:pPr lvl="3"/>
             <a:r>
-              <a:rPr lang="ko-KR" altLang="en-US" smtClean="0"/>
+              <a:rPr lang="ko-KR" altLang="en-US"/>
               <a:t>넷째 수준</a:t>
             </a:r>
           </a:p>
           <a:p>
             <a:pPr lvl="4"/>
             <a:r>
-              <a:rPr lang="ko-KR" altLang="en-US" smtClean="0"/>
+              <a:rPr lang="ko-KR" altLang="en-US"/>
               <a:t>다섯째 수준</a:t>
             </a:r>
-            <a:endParaRPr lang="ko-KR" altLang="en-US"/>
           </a:p>
         </p:txBody>
       </p:sp>
@@ -1686,38 +1674,37 @@
           <a:p>
             <a:pPr lvl="0"/>
             <a:r>
-              <a:rPr lang="ko-KR" altLang="en-US" smtClean="0"/>
+              <a:rPr lang="ko-KR" altLang="en-US"/>
               <a:t>마스터 텍스트 스타일 편집</a:t>
             </a:r>
           </a:p>
           <a:p>
             <a:pPr lvl="1"/>
             <a:r>
-              <a:rPr lang="ko-KR" altLang="en-US" smtClean="0"/>
+              <a:rPr lang="ko-KR" altLang="en-US"/>
               <a:t>둘째 수준</a:t>
             </a:r>
           </a:p>
           <a:p>
             <a:pPr lvl="2"/>
             <a:r>
-              <a:rPr lang="ko-KR" altLang="en-US" smtClean="0"/>
+              <a:rPr lang="ko-KR" altLang="en-US"/>
               <a:t>셋째 수준</a:t>
             </a:r>
           </a:p>
           <a:p>
             <a:pPr lvl="3"/>
             <a:r>
-              <a:rPr lang="ko-KR" altLang="en-US" smtClean="0"/>
+              <a:rPr lang="ko-KR" altLang="en-US"/>
               <a:t>넷째 수준</a:t>
             </a:r>
           </a:p>
           <a:p>
             <a:pPr lvl="4"/>
             <a:r>
-              <a:rPr lang="ko-KR" altLang="en-US" smtClean="0"/>
+              <a:rPr lang="ko-KR" altLang="en-US"/>
               <a:t>다섯째 수준</a:t>
             </a:r>
-            <a:endParaRPr lang="ko-KR" altLang="en-US"/>
           </a:p>
         </p:txBody>
       </p:sp>
@@ -1738,7 +1725,7 @@
           <a:p>
             <a:fld id="{356ACF26-6357-4F55-9EF5-AD34D4D37933}" type="datetimeFigureOut">
               <a:rPr lang="ko-KR" altLang="en-US" smtClean="0"/>
-              <a:t>2019-07-10</a:t>
+              <a:t>2019-07-12</a:t>
             </a:fld>
             <a:endParaRPr lang="ko-KR" altLang="en-US"/>
           </a:p>
@@ -1837,10 +1824,9 @@
           <a:lstStyle/>
           <a:p>
             <a:r>
-              <a:rPr lang="ko-KR" altLang="en-US" smtClean="0"/>
+              <a:rPr lang="ko-KR" altLang="en-US"/>
               <a:t>마스터 제목 스타일 편집</a:t>
             </a:r>
-            <a:endParaRPr lang="ko-KR" altLang="en-US"/>
           </a:p>
         </p:txBody>
       </p:sp>
@@ -1903,7 +1889,7 @@
           <a:p>
             <a:pPr lvl="0"/>
             <a:r>
-              <a:rPr lang="ko-KR" altLang="en-US" smtClean="0"/>
+              <a:rPr lang="ko-KR" altLang="en-US"/>
               <a:t>마스터 텍스트 스타일 편집</a:t>
             </a:r>
           </a:p>
@@ -1931,38 +1917,37 @@
           <a:p>
             <a:pPr lvl="0"/>
             <a:r>
-              <a:rPr lang="ko-KR" altLang="en-US" smtClean="0"/>
+              <a:rPr lang="ko-KR" altLang="en-US"/>
               <a:t>마스터 텍스트 스타일 편집</a:t>
             </a:r>
           </a:p>
           <a:p>
             <a:pPr lvl="1"/>
             <a:r>
-              <a:rPr lang="ko-KR" altLang="en-US" smtClean="0"/>
+              <a:rPr lang="ko-KR" altLang="en-US"/>
               <a:t>둘째 수준</a:t>
             </a:r>
           </a:p>
           <a:p>
             <a:pPr lvl="2"/>
             <a:r>
-              <a:rPr lang="ko-KR" altLang="en-US" smtClean="0"/>
+              <a:rPr lang="ko-KR" altLang="en-US"/>
               <a:t>셋째 수준</a:t>
             </a:r>
           </a:p>
           <a:p>
             <a:pPr lvl="3"/>
             <a:r>
-              <a:rPr lang="ko-KR" altLang="en-US" smtClean="0"/>
+              <a:rPr lang="ko-KR" altLang="en-US"/>
               <a:t>넷째 수준</a:t>
             </a:r>
           </a:p>
           <a:p>
             <a:pPr lvl="4"/>
             <a:r>
-              <a:rPr lang="ko-KR" altLang="en-US" smtClean="0"/>
+              <a:rPr lang="ko-KR" altLang="en-US"/>
               <a:t>다섯째 수준</a:t>
             </a:r>
-            <a:endParaRPr lang="ko-KR" altLang="en-US"/>
           </a:p>
         </p:txBody>
       </p:sp>
@@ -2025,7 +2010,7 @@
           <a:p>
             <a:pPr lvl="0"/>
             <a:r>
-              <a:rPr lang="ko-KR" altLang="en-US" smtClean="0"/>
+              <a:rPr lang="ko-KR" altLang="en-US"/>
               <a:t>마스터 텍스트 스타일 편집</a:t>
             </a:r>
           </a:p>
@@ -2053,38 +2038,37 @@
           <a:p>
             <a:pPr lvl="0"/>
             <a:r>
-              <a:rPr lang="ko-KR" altLang="en-US" smtClean="0"/>
+              <a:rPr lang="ko-KR" altLang="en-US"/>
               <a:t>마스터 텍스트 스타일 편집</a:t>
             </a:r>
           </a:p>
           <a:p>
             <a:pPr lvl="1"/>
             <a:r>
-              <a:rPr lang="ko-KR" altLang="en-US" smtClean="0"/>
+              <a:rPr lang="ko-KR" altLang="en-US"/>
               <a:t>둘째 수준</a:t>
             </a:r>
           </a:p>
           <a:p>
             <a:pPr lvl="2"/>
             <a:r>
-              <a:rPr lang="ko-KR" altLang="en-US" smtClean="0"/>
+              <a:rPr lang="ko-KR" altLang="en-US"/>
               <a:t>셋째 수준</a:t>
             </a:r>
           </a:p>
           <a:p>
             <a:pPr lvl="3"/>
             <a:r>
-              <a:rPr lang="ko-KR" altLang="en-US" smtClean="0"/>
+              <a:rPr lang="ko-KR" altLang="en-US"/>
               <a:t>넷째 수준</a:t>
             </a:r>
           </a:p>
           <a:p>
             <a:pPr lvl="4"/>
             <a:r>
-              <a:rPr lang="ko-KR" altLang="en-US" smtClean="0"/>
+              <a:rPr lang="ko-KR" altLang="en-US"/>
               <a:t>다섯째 수준</a:t>
             </a:r>
-            <a:endParaRPr lang="ko-KR" altLang="en-US"/>
           </a:p>
         </p:txBody>
       </p:sp>
@@ -2105,7 +2089,7 @@
           <a:p>
             <a:fld id="{356ACF26-6357-4F55-9EF5-AD34D4D37933}" type="datetimeFigureOut">
               <a:rPr lang="ko-KR" altLang="en-US" smtClean="0"/>
-              <a:t>2019-07-10</a:t>
+              <a:t>2019-07-12</a:t>
             </a:fld>
             <a:endParaRPr lang="ko-KR" altLang="en-US"/>
           </a:p>
@@ -2199,10 +2183,9 @@
           <a:lstStyle/>
           <a:p>
             <a:r>
-              <a:rPr lang="ko-KR" altLang="en-US" smtClean="0"/>
+              <a:rPr lang="ko-KR" altLang="en-US"/>
               <a:t>마스터 제목 스타일 편집</a:t>
             </a:r>
-            <a:endParaRPr lang="ko-KR" altLang="en-US"/>
           </a:p>
         </p:txBody>
       </p:sp>
@@ -2223,7 +2206,7 @@
           <a:p>
             <a:fld id="{356ACF26-6357-4F55-9EF5-AD34D4D37933}" type="datetimeFigureOut">
               <a:rPr lang="ko-KR" altLang="en-US" smtClean="0"/>
-              <a:t>2019-07-10</a:t>
+              <a:t>2019-07-12</a:t>
             </a:fld>
             <a:endParaRPr lang="ko-KR" altLang="en-US"/>
           </a:p>
@@ -2318,7 +2301,7 @@
           <a:p>
             <a:fld id="{356ACF26-6357-4F55-9EF5-AD34D4D37933}" type="datetimeFigureOut">
               <a:rPr lang="ko-KR" altLang="en-US" smtClean="0"/>
-              <a:t>2019-07-10</a:t>
+              <a:t>2019-07-12</a:t>
             </a:fld>
             <a:endParaRPr lang="ko-KR" altLang="en-US"/>
           </a:p>
@@ -2421,10 +2404,9 @@
           </a:lstStyle>
           <a:p>
             <a:r>
-              <a:rPr lang="ko-KR" altLang="en-US" smtClean="0"/>
+              <a:rPr lang="ko-KR" altLang="en-US"/>
               <a:t>마스터 제목 스타일 편집</a:t>
             </a:r>
-            <a:endParaRPr lang="ko-KR" altLang="en-US"/>
           </a:p>
         </p:txBody>
       </p:sp>
@@ -2478,38 +2460,37 @@
           <a:p>
             <a:pPr lvl="0"/>
             <a:r>
-              <a:rPr lang="ko-KR" altLang="en-US" smtClean="0"/>
+              <a:rPr lang="ko-KR" altLang="en-US"/>
               <a:t>마스터 텍스트 스타일 편집</a:t>
             </a:r>
           </a:p>
           <a:p>
             <a:pPr lvl="1"/>
             <a:r>
-              <a:rPr lang="ko-KR" altLang="en-US" smtClean="0"/>
+              <a:rPr lang="ko-KR" altLang="en-US"/>
               <a:t>둘째 수준</a:t>
             </a:r>
           </a:p>
           <a:p>
             <a:pPr lvl="2"/>
             <a:r>
-              <a:rPr lang="ko-KR" altLang="en-US" smtClean="0"/>
+              <a:rPr lang="ko-KR" altLang="en-US"/>
               <a:t>셋째 수준</a:t>
             </a:r>
           </a:p>
           <a:p>
             <a:pPr lvl="3"/>
             <a:r>
-              <a:rPr lang="ko-KR" altLang="en-US" smtClean="0"/>
+              <a:rPr lang="ko-KR" altLang="en-US"/>
               <a:t>넷째 수준</a:t>
             </a:r>
           </a:p>
           <a:p>
             <a:pPr lvl="4"/>
             <a:r>
-              <a:rPr lang="ko-KR" altLang="en-US" smtClean="0"/>
+              <a:rPr lang="ko-KR" altLang="en-US"/>
               <a:t>다섯째 수준</a:t>
             </a:r>
-            <a:endParaRPr lang="ko-KR" altLang="en-US"/>
           </a:p>
         </p:txBody>
       </p:sp>
@@ -2572,7 +2553,7 @@
           <a:p>
             <a:pPr lvl="0"/>
             <a:r>
-              <a:rPr lang="ko-KR" altLang="en-US" smtClean="0"/>
+              <a:rPr lang="ko-KR" altLang="en-US"/>
               <a:t>마스터 텍스트 스타일 편집</a:t>
             </a:r>
           </a:p>
@@ -2595,7 +2576,7 @@
           <a:p>
             <a:fld id="{356ACF26-6357-4F55-9EF5-AD34D4D37933}" type="datetimeFigureOut">
               <a:rPr lang="ko-KR" altLang="en-US" smtClean="0"/>
-              <a:t>2019-07-10</a:t>
+              <a:t>2019-07-12</a:t>
             </a:fld>
             <a:endParaRPr lang="ko-KR" altLang="en-US"/>
           </a:p>
@@ -2698,10 +2679,9 @@
           </a:lstStyle>
           <a:p>
             <a:r>
-              <a:rPr lang="ko-KR" altLang="en-US" smtClean="0"/>
+              <a:rPr lang="ko-KR" altLang="en-US"/>
               <a:t>마스터 제목 스타일 편집</a:t>
             </a:r>
-            <a:endParaRPr lang="ko-KR" altLang="en-US"/>
           </a:p>
         </p:txBody>
       </p:sp>
@@ -2825,7 +2805,7 @@
           <a:p>
             <a:pPr lvl="0"/>
             <a:r>
-              <a:rPr lang="ko-KR" altLang="en-US" smtClean="0"/>
+              <a:rPr lang="ko-KR" altLang="en-US"/>
               <a:t>마스터 텍스트 스타일 편집</a:t>
             </a:r>
           </a:p>
@@ -2848,7 +2828,7 @@
           <a:p>
             <a:fld id="{356ACF26-6357-4F55-9EF5-AD34D4D37933}" type="datetimeFigureOut">
               <a:rPr lang="ko-KR" altLang="en-US" smtClean="0"/>
-              <a:t>2019-07-10</a:t>
+              <a:t>2019-07-12</a:t>
             </a:fld>
             <a:endParaRPr lang="ko-KR" altLang="en-US"/>
           </a:p>
@@ -2957,10 +2937,9 @@
           <a:lstStyle/>
           <a:p>
             <a:r>
-              <a:rPr lang="ko-KR" altLang="en-US" smtClean="0"/>
+              <a:rPr lang="ko-KR" altLang="en-US"/>
               <a:t>마스터 제목 스타일 편집</a:t>
             </a:r>
-            <a:endParaRPr lang="ko-KR" altLang="en-US"/>
           </a:p>
         </p:txBody>
       </p:sp>
@@ -2991,38 +2970,37 @@
           <a:p>
             <a:pPr lvl="0"/>
             <a:r>
-              <a:rPr lang="ko-KR" altLang="en-US" smtClean="0"/>
+              <a:rPr lang="ko-KR" altLang="en-US"/>
               <a:t>마스터 텍스트 스타일 편집</a:t>
             </a:r>
           </a:p>
           <a:p>
             <a:pPr lvl="1"/>
             <a:r>
-              <a:rPr lang="ko-KR" altLang="en-US" smtClean="0"/>
+              <a:rPr lang="ko-KR" altLang="en-US"/>
               <a:t>둘째 수준</a:t>
             </a:r>
           </a:p>
           <a:p>
             <a:pPr lvl="2"/>
             <a:r>
-              <a:rPr lang="ko-KR" altLang="en-US" smtClean="0"/>
+              <a:rPr lang="ko-KR" altLang="en-US"/>
               <a:t>셋째 수준</a:t>
             </a:r>
           </a:p>
           <a:p>
             <a:pPr lvl="3"/>
             <a:r>
-              <a:rPr lang="ko-KR" altLang="en-US" smtClean="0"/>
+              <a:rPr lang="ko-KR" altLang="en-US"/>
               <a:t>넷째 수준</a:t>
             </a:r>
           </a:p>
           <a:p>
             <a:pPr lvl="4"/>
             <a:r>
-              <a:rPr lang="ko-KR" altLang="en-US" smtClean="0"/>
+              <a:rPr lang="ko-KR" altLang="en-US"/>
               <a:t>다섯째 수준</a:t>
             </a:r>
-            <a:endParaRPr lang="ko-KR" altLang="en-US"/>
           </a:p>
         </p:txBody>
       </p:sp>
@@ -3061,7 +3039,7 @@
           <a:p>
             <a:fld id="{356ACF26-6357-4F55-9EF5-AD34D4D37933}" type="datetimeFigureOut">
               <a:rPr lang="ko-KR" altLang="en-US" smtClean="0"/>
-              <a:t>2019-07-10</a:t>
+              <a:t>2019-07-12</a:t>
             </a:fld>
             <a:endParaRPr lang="ko-KR" altLang="en-US"/>
           </a:p>
@@ -4121,7 +4099,7 @@
           </a:prstGeom>
           <a:extLst>
             <a:ext uri="{C572A759-6A51-4108-AA02-DFA0A04FC94B}">
-              <ma14:wrappingTextBoxFlag xmlns="" xmlns:m="http://schemas.openxmlformats.org/officeDocument/2006/math" xmlns:a14="http://schemas.microsoft.com/office/drawing/2010/main" xmlns:ma14="http://schemas.microsoft.com/office/mac/drawingml/2011/main" val="1"/>
+              <ma14:wrappingTextBoxFlag xmlns:ma14="http://schemas.microsoft.com/office/mac/drawingml/2011/main" xmlns:a14="http://schemas.microsoft.com/office/drawing/2010/main" xmlns:m="http://schemas.openxmlformats.org/officeDocument/2006/math" xmlns="" val="1"/>
             </a:ext>
           </a:extLst>
         </p:spPr>
@@ -4189,7 +4167,7 @@
           </a:ln>
           <a:extLst>
             <a:ext uri="{C572A759-6A51-4108-AA02-DFA0A04FC94B}">
-              <ma14:wrappingTextBoxFlag xmlns="" xmlns:m="http://schemas.openxmlformats.org/officeDocument/2006/math" xmlns:a14="http://schemas.microsoft.com/office/drawing/2010/main" xmlns:ma14="http://schemas.microsoft.com/office/mac/drawingml/2011/main" val="1"/>
+              <ma14:wrappingTextBoxFlag xmlns:ma14="http://schemas.microsoft.com/office/mac/drawingml/2011/main" xmlns:a14="http://schemas.microsoft.com/office/drawing/2010/main" xmlns:m="http://schemas.openxmlformats.org/officeDocument/2006/math" xmlns="" val="1"/>
             </a:ext>
           </a:extLst>
         </p:spPr>
@@ -4441,13 +4419,6 @@
   <p:clrMapOvr>
     <a:masterClrMapping/>
   </p:clrMapOvr>
-  <p:timing>
-    <p:tnLst>
-      <p:par>
-        <p:cTn id="1" dur="indefinite" restart="never" nodeType="tmRoot"/>
-      </p:par>
-    </p:tnLst>
-  </p:timing>
 </p:sld>
 </file>
 
@@ -4725,7 +4696,7 @@
           </a:prstGeom>
           <a:extLst>
             <a:ext uri="{C572A759-6A51-4108-AA02-DFA0A04FC94B}">
-              <ma14:wrappingTextBoxFlag xmlns="" xmlns:m="http://schemas.openxmlformats.org/officeDocument/2006/math" xmlns:a14="http://schemas.microsoft.com/office/drawing/2010/main" xmlns:ma14="http://schemas.microsoft.com/office/mac/drawingml/2011/main" val="1"/>
+              <ma14:wrappingTextBoxFlag xmlns:ma14="http://schemas.microsoft.com/office/mac/drawingml/2011/main" xmlns:a14="http://schemas.microsoft.com/office/drawing/2010/main" xmlns:m="http://schemas.openxmlformats.org/officeDocument/2006/math" xmlns="" val="1"/>
             </a:ext>
           </a:extLst>
         </p:spPr>
@@ -4973,7 +4944,7 @@
                 <a14:useLocalDpi xmlns:a14="http://schemas.microsoft.com/office/drawing/2010/main" val="0"/>
               </a:ext>
               <a:ext uri="{96DAC541-7B7A-43D3-8B79-37D633B846F1}">
-                <asvg:svgBlip xmlns="" xmlns:asvg="http://schemas.microsoft.com/office/drawing/2016/SVG/main" r:embed="rId6"/>
+                <asvg:svgBlip xmlns:asvg="http://schemas.microsoft.com/office/drawing/2016/SVG/main" r:embed="rId6"/>
               </a:ext>
             </a:extLst>
           </a:blip>
@@ -5012,7 +4983,7 @@
                 <a14:useLocalDpi xmlns:a14="http://schemas.microsoft.com/office/drawing/2010/main" val="0"/>
               </a:ext>
               <a:ext uri="{96DAC541-7B7A-43D3-8B79-37D633B846F1}">
-                <asvg:svgBlip xmlns="" xmlns:asvg="http://schemas.microsoft.com/office/drawing/2016/SVG/main" r:embed="rId8"/>
+                <asvg:svgBlip xmlns:asvg="http://schemas.microsoft.com/office/drawing/2016/SVG/main" r:embed="rId8"/>
               </a:ext>
             </a:extLst>
           </a:blip>
@@ -5138,7 +5109,7 @@
                 <a14:useLocalDpi xmlns:a14="http://schemas.microsoft.com/office/drawing/2010/main" val="0"/>
               </a:ext>
               <a:ext uri="{96DAC541-7B7A-43D3-8B79-37D633B846F1}">
-                <asvg:svgBlip xmlns="" xmlns:asvg="http://schemas.microsoft.com/office/drawing/2016/SVG/main" r:embed="rId10"/>
+                <asvg:svgBlip xmlns:asvg="http://schemas.microsoft.com/office/drawing/2016/SVG/main" r:embed="rId10"/>
               </a:ext>
             </a:extLst>
           </a:blip>
@@ -6196,7 +6167,7 @@
           </a:prstGeom>
           <a:extLst>
             <a:ext uri="{C572A759-6A51-4108-AA02-DFA0A04FC94B}">
-              <ma14:wrappingTextBoxFlag xmlns="" xmlns:m="http://schemas.openxmlformats.org/officeDocument/2006/math" xmlns:a14="http://schemas.microsoft.com/office/drawing/2010/main" xmlns:ma14="http://schemas.microsoft.com/office/mac/drawingml/2011/main" val="1"/>
+              <ma14:wrappingTextBoxFlag xmlns:ma14="http://schemas.microsoft.com/office/mac/drawingml/2011/main" xmlns:a14="http://schemas.microsoft.com/office/drawing/2010/main" xmlns:m="http://schemas.openxmlformats.org/officeDocument/2006/math" xmlns="" val="1"/>
             </a:ext>
           </a:extLst>
         </p:spPr>
@@ -6399,9 +6370,7 @@
           <p:cNvGraphicFramePr>
             <a:graphicFrameLocks noGrp="1"/>
           </p:cNvGraphicFramePr>
-          <p:nvPr>
-            <p:extLst/>
-          </p:nvPr>
+          <p:nvPr/>
         </p:nvGraphicFramePr>
         <p:xfrm>
           <a:off x="132250" y="1639090"/>
@@ -10122,7 +10091,7 @@
           </a:prstGeom>
           <a:extLst>
             <a:ext uri="{C572A759-6A51-4108-AA02-DFA0A04FC94B}">
-              <ma14:wrappingTextBoxFlag xmlns="" xmlns:m="http://schemas.openxmlformats.org/officeDocument/2006/math" xmlns:a14="http://schemas.microsoft.com/office/drawing/2010/main" xmlns:ma14="http://schemas.microsoft.com/office/mac/drawingml/2011/main" val="1"/>
+              <ma14:wrappingTextBoxFlag xmlns:ma14="http://schemas.microsoft.com/office/mac/drawingml/2011/main" xmlns:a14="http://schemas.microsoft.com/office/drawing/2010/main" xmlns:m="http://schemas.openxmlformats.org/officeDocument/2006/math" xmlns="" val="1"/>
             </a:ext>
           </a:extLst>
         </p:spPr>
@@ -10163,7 +10132,7 @@
           </a:ln>
           <a:extLst>
             <a:ext uri="{C572A759-6A51-4108-AA02-DFA0A04FC94B}">
-              <ma14:wrappingTextBoxFlag xmlns="" xmlns:m="http://schemas.openxmlformats.org/officeDocument/2006/math" xmlns:a14="http://schemas.microsoft.com/office/drawing/2010/main" xmlns:ma14="http://schemas.microsoft.com/office/mac/drawingml/2011/main" val="1"/>
+              <ma14:wrappingTextBoxFlag xmlns:ma14="http://schemas.microsoft.com/office/mac/drawingml/2011/main" xmlns:a14="http://schemas.microsoft.com/office/drawing/2010/main" xmlns:m="http://schemas.openxmlformats.org/officeDocument/2006/math" xmlns="" val="1"/>
             </a:ext>
           </a:extLst>
         </p:spPr>
@@ -10705,17 +10674,9 @@
                 <a:ea typeface="배달의민족 연성" panose="020B0600000101010101" pitchFamily="50" charset="-127"/>
                 <a:hlinkClick r:id="rId5"/>
               </a:rPr>
-              <a:t>https://</a:t>
-            </a:r>
-            <a:r>
-              <a:rPr lang="en-US" altLang="ko-KR" dirty="0" smtClean="0">
-                <a:latin typeface="배달의민족 연성" panose="020B0600000101010101" pitchFamily="50" charset="-127"/>
-                <a:ea typeface="배달의민족 연성" panose="020B0600000101010101" pitchFamily="50" charset="-127"/>
-                <a:hlinkClick r:id="rId5"/>
-              </a:rPr>
-              <a:t>www.yna.co.kr/view/AKR20180717040500017?input=1195m</a:t>
-            </a:r>
-            <a:endParaRPr lang="en-US" altLang="ko-KR" dirty="0" smtClean="0">
+              <a:t>https://www.yna.co.kr/view/AKR20180717040500017?input=1195m</a:t>
+            </a:r>
+            <a:endParaRPr lang="en-US" altLang="ko-KR" dirty="0">
               <a:latin typeface="배달의민족 연성" panose="020B0600000101010101" pitchFamily="50" charset="-127"/>
               <a:ea typeface="배달의민족 연성" panose="020B0600000101010101" pitchFamily="50" charset="-127"/>
             </a:endParaRPr>
@@ -10725,28 +10686,28 @@
               <a:buFont typeface="Wingdings" panose="05000000000000000000" pitchFamily="2" charset="2"/>
               <a:buChar char="Ø"/>
             </a:pPr>
-            <a:endParaRPr lang="en-US" altLang="ko-KR" dirty="0" smtClean="0">
+            <a:endParaRPr lang="en-US" altLang="ko-KR" dirty="0">
               <a:latin typeface="배달의민족 연성" panose="020B0600000101010101" pitchFamily="50" charset="-127"/>
               <a:ea typeface="배달의민족 연성" panose="020B0600000101010101" pitchFamily="50" charset="-127"/>
             </a:endParaRPr>
           </a:p>
           <a:p>
             <a:r>
-              <a:rPr lang="en-US" altLang="ko-KR" dirty="0" smtClean="0">
+              <a:rPr lang="en-US" altLang="ko-KR" dirty="0">
                 <a:latin typeface="배달의민족 연성" panose="020B0600000101010101" pitchFamily="50" charset="-127"/>
                 <a:ea typeface="배달의민족 연성" panose="020B0600000101010101" pitchFamily="50" charset="-127"/>
               </a:rPr>
               <a:t>-5</a:t>
             </a:r>
             <a:r>
-              <a:rPr lang="ko-KR" altLang="en-US" dirty="0" smtClean="0">
+              <a:rPr lang="ko-KR" altLang="en-US" dirty="0">
                 <a:latin typeface="배달의민족 연성" panose="020B0600000101010101" pitchFamily="50" charset="-127"/>
                 <a:ea typeface="배달의민족 연성" panose="020B0600000101010101" pitchFamily="50" charset="-127"/>
               </a:rPr>
               <a:t>페이지</a:t>
             </a:r>
             <a:r>
-              <a:rPr lang="en-US" altLang="ko-KR" dirty="0" smtClean="0">
+              <a:rPr lang="en-US" altLang="ko-KR" dirty="0">
                 <a:latin typeface="배달의민족 연성" panose="020B0600000101010101" pitchFamily="50" charset="-127"/>
                 <a:ea typeface="배달의민족 연성" panose="020B0600000101010101" pitchFamily="50" charset="-127"/>
               </a:rPr>
@@ -10759,92 +10720,76 @@
               <a:buChar char="Ø"/>
             </a:pPr>
             <a:r>
-              <a:rPr lang="ko-KR" altLang="en-US" dirty="0" smtClean="0">
+              <a:rPr lang="ko-KR" altLang="en-US" dirty="0">
                 <a:latin typeface="배달의민족 연성" panose="020B0600000101010101" pitchFamily="50" charset="-127"/>
                 <a:ea typeface="배달의민족 연성" panose="020B0600000101010101" pitchFamily="50" charset="-127"/>
               </a:rPr>
               <a:t>대전 관광</a:t>
             </a:r>
             <a:r>
-              <a:rPr lang="en-US" altLang="ko-KR" dirty="0" smtClean="0">
+              <a:rPr lang="en-US" altLang="ko-KR" dirty="0">
                 <a:latin typeface="배달의민족 연성" panose="020B0600000101010101" pitchFamily="50" charset="-127"/>
                 <a:ea typeface="배달의민족 연성" panose="020B0600000101010101" pitchFamily="50" charset="-127"/>
               </a:rPr>
               <a:t>, 2019</a:t>
             </a:r>
             <a:r>
-              <a:rPr lang="ko-KR" altLang="en-US" dirty="0" smtClean="0">
+              <a:rPr lang="ko-KR" altLang="en-US" dirty="0">
                 <a:latin typeface="배달의민족 연성" panose="020B0600000101010101" pitchFamily="50" charset="-127"/>
                 <a:ea typeface="배달의민족 연성" panose="020B0600000101010101" pitchFamily="50" charset="-127"/>
               </a:rPr>
               <a:t>년 </a:t>
             </a:r>
             <a:r>
-              <a:rPr lang="en-US" altLang="ko-KR" dirty="0" smtClean="0">
+              <a:rPr lang="en-US" altLang="ko-KR" dirty="0">
                 <a:latin typeface="배달의민족 연성" panose="020B0600000101010101" pitchFamily="50" charset="-127"/>
                 <a:ea typeface="배달의민족 연성" panose="020B0600000101010101" pitchFamily="50" charset="-127"/>
               </a:rPr>
               <a:t>07</a:t>
             </a:r>
             <a:r>
-              <a:rPr lang="ko-KR" altLang="en-US" dirty="0" smtClean="0">
+              <a:rPr lang="ko-KR" altLang="en-US" dirty="0">
                 <a:latin typeface="배달의민족 연성" panose="020B0600000101010101" pitchFamily="50" charset="-127"/>
                 <a:ea typeface="배달의민족 연성" panose="020B0600000101010101" pitchFamily="50" charset="-127"/>
               </a:rPr>
               <a:t>월 </a:t>
             </a:r>
             <a:r>
-              <a:rPr lang="en-US" altLang="ko-KR" dirty="0" smtClean="0">
+              <a:rPr lang="en-US" altLang="ko-KR" dirty="0">
                 <a:latin typeface="배달의민족 연성" panose="020B0600000101010101" pitchFamily="50" charset="-127"/>
                 <a:ea typeface="배달의민족 연성" panose="020B0600000101010101" pitchFamily="50" charset="-127"/>
               </a:rPr>
               <a:t>10</a:t>
             </a:r>
             <a:r>
-              <a:rPr lang="ko-KR" altLang="en-US" dirty="0" smtClean="0">
+              <a:rPr lang="ko-KR" altLang="en-US" dirty="0">
                 <a:latin typeface="배달의민족 연성" panose="020B0600000101010101" pitchFamily="50" charset="-127"/>
                 <a:ea typeface="배달의민족 연성" panose="020B0600000101010101" pitchFamily="50" charset="-127"/>
               </a:rPr>
               <a:t>일</a:t>
             </a:r>
             <a:r>
-              <a:rPr lang="en-US" altLang="ko-KR" dirty="0" smtClean="0">
+              <a:rPr lang="en-US" altLang="ko-KR" dirty="0">
                 <a:latin typeface="배달의민족 연성" panose="020B0600000101010101" pitchFamily="50" charset="-127"/>
                 <a:ea typeface="배달의민족 연성" panose="020B0600000101010101" pitchFamily="50" charset="-127"/>
               </a:rPr>
               <a:t>,</a:t>
             </a:r>
             <a:br>
-              <a:rPr lang="en-US" altLang="ko-KR" dirty="0" smtClean="0">
+              <a:rPr lang="en-US" altLang="ko-KR" dirty="0">
                 <a:latin typeface="배달의민족 연성" panose="020B0600000101010101" pitchFamily="50" charset="-127"/>
                 <a:ea typeface="배달의민족 연성" panose="020B0600000101010101" pitchFamily="50" charset="-127"/>
               </a:rPr>
             </a:br>
             <a:r>
-              <a:rPr lang="en-US" altLang="ko-KR" dirty="0" smtClean="0">
+              <a:rPr lang="en-US" altLang="ko-KR" dirty="0">
                 <a:latin typeface="배달의민족 연성" panose="020B0600000101010101" pitchFamily="50" charset="-127"/>
                 <a:ea typeface="배달의민족 연성" panose="020B0600000101010101" pitchFamily="50" charset="-127"/>
                 <a:hlinkClick r:id="rId6"/>
               </a:rPr>
-              <a:t>https</a:t>
-            </a:r>
-            <a:r>
-              <a:rPr lang="en-US" altLang="ko-KR" dirty="0">
-                <a:latin typeface="배달의민족 연성" panose="020B0600000101010101" pitchFamily="50" charset="-127"/>
-                <a:ea typeface="배달의민족 연성" panose="020B0600000101010101" pitchFamily="50" charset="-127"/>
-                <a:hlinkClick r:id="rId6"/>
-              </a:rPr>
-              <a:t>://</a:t>
-            </a:r>
-            <a:r>
-              <a:rPr lang="en-US" altLang="ko-KR" dirty="0" smtClean="0">
-                <a:latin typeface="배달의민족 연성" panose="020B0600000101010101" pitchFamily="50" charset="-127"/>
-                <a:ea typeface="배달의민족 연성" panose="020B0600000101010101" pitchFamily="50" charset="-127"/>
-                <a:hlinkClick r:id="rId6"/>
-              </a:rPr>
-              <a:t>www.daejeon.go.kr/tou/index.do</a:t>
-            </a:r>
-            <a:endParaRPr lang="en-US" altLang="ko-KR" dirty="0" smtClean="0">
+              <a:t>https://www.daejeon.go.kr/tou/index.do</a:t>
+            </a:r>
+            <a:endParaRPr lang="en-US" altLang="ko-KR" dirty="0">
               <a:latin typeface="배달의민족 연성" panose="020B0600000101010101" pitchFamily="50" charset="-127"/>
               <a:ea typeface="배달의민족 연성" panose="020B0600000101010101" pitchFamily="50" charset="-127"/>
             </a:endParaRPr>
@@ -10861,21 +10806,21 @@
           </a:p>
           <a:p>
             <a:r>
-              <a:rPr lang="en-US" altLang="ko-KR" dirty="0" smtClean="0">
+              <a:rPr lang="en-US" altLang="ko-KR" dirty="0">
                 <a:latin typeface="배달의민족 연성" panose="020B0600000101010101" pitchFamily="50" charset="-127"/>
                 <a:ea typeface="배달의민족 연성" panose="020B0600000101010101" pitchFamily="50" charset="-127"/>
               </a:rPr>
               <a:t>-6</a:t>
             </a:r>
             <a:r>
-              <a:rPr lang="ko-KR" altLang="en-US" dirty="0" smtClean="0">
+              <a:rPr lang="ko-KR" altLang="en-US" dirty="0">
                 <a:latin typeface="배달의민족 연성" panose="020B0600000101010101" pitchFamily="50" charset="-127"/>
                 <a:ea typeface="배달의민족 연성" panose="020B0600000101010101" pitchFamily="50" charset="-127"/>
               </a:rPr>
               <a:t>페이지</a:t>
             </a:r>
             <a:r>
-              <a:rPr lang="en-US" altLang="ko-KR" dirty="0" smtClean="0">
+              <a:rPr lang="en-US" altLang="ko-KR" dirty="0">
                 <a:latin typeface="배달의민족 연성" panose="020B0600000101010101" pitchFamily="50" charset="-127"/>
                 <a:ea typeface="배달의민족 연성" panose="020B0600000101010101" pitchFamily="50" charset="-127"/>
               </a:rPr>
@@ -10888,92 +10833,76 @@
               <a:buChar char="Ø"/>
             </a:pPr>
             <a:r>
-              <a:rPr lang="ko-KR" altLang="en-US" dirty="0" smtClean="0">
+              <a:rPr lang="ko-KR" altLang="en-US" dirty="0">
                 <a:latin typeface="배달의민족 연성" panose="020B0600000101010101" pitchFamily="50" charset="-127"/>
                 <a:ea typeface="배달의민족 연성" panose="020B0600000101010101" pitchFamily="50" charset="-127"/>
               </a:rPr>
               <a:t>기상 데이터 포털 </a:t>
             </a:r>
             <a:r>
-              <a:rPr lang="en-US" altLang="ko-KR" dirty="0" smtClean="0">
+              <a:rPr lang="en-US" altLang="ko-KR" dirty="0">
                 <a:latin typeface="배달의민족 연성" panose="020B0600000101010101" pitchFamily="50" charset="-127"/>
                 <a:ea typeface="배달의민족 연성" panose="020B0600000101010101" pitchFamily="50" charset="-127"/>
               </a:rPr>
               <a:t>,2019</a:t>
             </a:r>
             <a:r>
-              <a:rPr lang="ko-KR" altLang="en-US" dirty="0" smtClean="0">
+              <a:rPr lang="ko-KR" altLang="en-US" dirty="0">
                 <a:latin typeface="배달의민족 연성" panose="020B0600000101010101" pitchFamily="50" charset="-127"/>
                 <a:ea typeface="배달의민족 연성" panose="020B0600000101010101" pitchFamily="50" charset="-127"/>
               </a:rPr>
               <a:t>년 </a:t>
             </a:r>
             <a:r>
-              <a:rPr lang="en-US" altLang="ko-KR" dirty="0" smtClean="0">
+              <a:rPr lang="en-US" altLang="ko-KR" dirty="0">
                 <a:latin typeface="배달의민족 연성" panose="020B0600000101010101" pitchFamily="50" charset="-127"/>
                 <a:ea typeface="배달의민족 연성" panose="020B0600000101010101" pitchFamily="50" charset="-127"/>
               </a:rPr>
               <a:t>07</a:t>
             </a:r>
             <a:r>
-              <a:rPr lang="ko-KR" altLang="en-US" dirty="0" smtClean="0">
+              <a:rPr lang="ko-KR" altLang="en-US" dirty="0">
                 <a:latin typeface="배달의민족 연성" panose="020B0600000101010101" pitchFamily="50" charset="-127"/>
                 <a:ea typeface="배달의민족 연성" panose="020B0600000101010101" pitchFamily="50" charset="-127"/>
               </a:rPr>
               <a:t>월 </a:t>
             </a:r>
             <a:r>
-              <a:rPr lang="en-US" altLang="ko-KR" dirty="0" smtClean="0">
+              <a:rPr lang="en-US" altLang="ko-KR" dirty="0">
                 <a:latin typeface="배달의민족 연성" panose="020B0600000101010101" pitchFamily="50" charset="-127"/>
                 <a:ea typeface="배달의민족 연성" panose="020B0600000101010101" pitchFamily="50" charset="-127"/>
               </a:rPr>
               <a:t>10</a:t>
             </a:r>
             <a:r>
-              <a:rPr lang="ko-KR" altLang="en-US" dirty="0" smtClean="0">
+              <a:rPr lang="ko-KR" altLang="en-US" dirty="0">
                 <a:latin typeface="배달의민족 연성" panose="020B0600000101010101" pitchFamily="50" charset="-127"/>
                 <a:ea typeface="배달의민족 연성" panose="020B0600000101010101" pitchFamily="50" charset="-127"/>
               </a:rPr>
               <a:t>일</a:t>
             </a:r>
             <a:r>
-              <a:rPr lang="en-US" altLang="ko-KR" dirty="0" smtClean="0">
+              <a:rPr lang="en-US" altLang="ko-KR" dirty="0">
                 <a:latin typeface="배달의민족 연성" panose="020B0600000101010101" pitchFamily="50" charset="-127"/>
                 <a:ea typeface="배달의민족 연성" panose="020B0600000101010101" pitchFamily="50" charset="-127"/>
               </a:rPr>
               <a:t>, </a:t>
             </a:r>
             <a:br>
-              <a:rPr lang="en-US" altLang="ko-KR" dirty="0" smtClean="0">
+              <a:rPr lang="en-US" altLang="ko-KR" dirty="0">
                 <a:latin typeface="배달의민족 연성" panose="020B0600000101010101" pitchFamily="50" charset="-127"/>
                 <a:ea typeface="배달의민족 연성" panose="020B0600000101010101" pitchFamily="50" charset="-127"/>
               </a:rPr>
             </a:br>
             <a:r>
-              <a:rPr lang="en-US" altLang="ko-KR" dirty="0" smtClean="0">
+              <a:rPr lang="en-US" altLang="ko-KR" dirty="0">
                 <a:latin typeface="배달의민족 연성" panose="020B0600000101010101" pitchFamily="50" charset="-127"/>
                 <a:ea typeface="배달의민족 연성" panose="020B0600000101010101" pitchFamily="50" charset="-127"/>
                 <a:hlinkClick r:id="rId7"/>
               </a:rPr>
-              <a:t>https</a:t>
-            </a:r>
-            <a:r>
-              <a:rPr lang="en-US" altLang="ko-KR" dirty="0">
-                <a:latin typeface="배달의민족 연성" panose="020B0600000101010101" pitchFamily="50" charset="-127"/>
-                <a:ea typeface="배달의민족 연성" panose="020B0600000101010101" pitchFamily="50" charset="-127"/>
-                <a:hlinkClick r:id="rId7"/>
-              </a:rPr>
-              <a:t>://</a:t>
-            </a:r>
-            <a:r>
-              <a:rPr lang="en-US" altLang="ko-KR" dirty="0" smtClean="0">
-                <a:latin typeface="배달의민족 연성" panose="020B0600000101010101" pitchFamily="50" charset="-127"/>
-                <a:ea typeface="배달의민족 연성" panose="020B0600000101010101" pitchFamily="50" charset="-127"/>
-                <a:hlinkClick r:id="rId7"/>
-              </a:rPr>
-              <a:t>data.kma.go.kr/data/grnd/selectAsosList.do?pgmNo=34</a:t>
-            </a:r>
-            <a:endParaRPr lang="en-US" altLang="ko-KR" dirty="0" smtClean="0">
+              <a:t>https://data.kma.go.kr/data/grnd/selectAsosList.do?pgmNo=34</a:t>
+            </a:r>
+            <a:endParaRPr lang="en-US" altLang="ko-KR" dirty="0">
               <a:latin typeface="배달의민족 연성" panose="020B0600000101010101" pitchFamily="50" charset="-127"/>
               <a:ea typeface="배달의민족 연성" panose="020B0600000101010101" pitchFamily="50" charset="-127"/>
             </a:endParaRPr>
@@ -10990,21 +10919,21 @@
           </a:p>
           <a:p>
             <a:r>
-              <a:rPr lang="en-US" altLang="ko-KR" dirty="0" smtClean="0">
+              <a:rPr lang="en-US" altLang="ko-KR" dirty="0">
                 <a:latin typeface="배달의민족 연성" panose="020B0600000101010101" pitchFamily="50" charset="-127"/>
                 <a:ea typeface="배달의민족 연성" panose="020B0600000101010101" pitchFamily="50" charset="-127"/>
               </a:rPr>
               <a:t>-8</a:t>
             </a:r>
             <a:r>
-              <a:rPr lang="ko-KR" altLang="en-US" dirty="0" smtClean="0">
+              <a:rPr lang="ko-KR" altLang="en-US" dirty="0">
                 <a:latin typeface="배달의민족 연성" panose="020B0600000101010101" pitchFamily="50" charset="-127"/>
                 <a:ea typeface="배달의민족 연성" panose="020B0600000101010101" pitchFamily="50" charset="-127"/>
               </a:rPr>
               <a:t>페이지</a:t>
             </a:r>
             <a:r>
-              <a:rPr lang="en-US" altLang="ko-KR" dirty="0" smtClean="0">
+              <a:rPr lang="en-US" altLang="ko-KR" dirty="0">
                 <a:latin typeface="배달의민족 연성" panose="020B0600000101010101" pitchFamily="50" charset="-127"/>
                 <a:ea typeface="배달의민족 연성" panose="020B0600000101010101" pitchFamily="50" charset="-127"/>
               </a:rPr>
@@ -11017,91 +10946,75 @@
               <a:buChar char="Ø"/>
             </a:pPr>
             <a:r>
-              <a:rPr lang="en-US" altLang="ko-KR" dirty="0" err="1" smtClean="0">
+              <a:rPr lang="en-US" altLang="ko-KR" dirty="0" err="1">
                 <a:latin typeface="배달의민족 연성" panose="020B0600000101010101" pitchFamily="50" charset="-127"/>
                 <a:ea typeface="배달의민족 연성" panose="020B0600000101010101" pitchFamily="50" charset="-127"/>
               </a:rPr>
               <a:t>KoreaMin</a:t>
             </a:r>
             <a:r>
-              <a:rPr lang="en-US" altLang="ko-KR" dirty="0" smtClean="0">
+              <a:rPr lang="en-US" altLang="ko-KR" dirty="0">
                 <a:latin typeface="배달의민족 연성" panose="020B0600000101010101" pitchFamily="50" charset="-127"/>
                 <a:ea typeface="배달의민족 연성" panose="020B0600000101010101" pitchFamily="50" charset="-127"/>
               </a:rPr>
               <a:t>, 2017</a:t>
             </a:r>
             <a:r>
-              <a:rPr lang="ko-KR" altLang="en-US" dirty="0" smtClean="0">
+              <a:rPr lang="ko-KR" altLang="en-US" dirty="0">
                 <a:latin typeface="배달의민족 연성" panose="020B0600000101010101" pitchFamily="50" charset="-127"/>
                 <a:ea typeface="배달의민족 연성" panose="020B0600000101010101" pitchFamily="50" charset="-127"/>
               </a:rPr>
               <a:t>년  </a:t>
             </a:r>
             <a:r>
-              <a:rPr lang="en-US" altLang="ko-KR" dirty="0" smtClean="0">
+              <a:rPr lang="en-US" altLang="ko-KR" dirty="0">
                 <a:latin typeface="배달의민족 연성" panose="020B0600000101010101" pitchFamily="50" charset="-127"/>
                 <a:ea typeface="배달의민족 연성" panose="020B0600000101010101" pitchFamily="50" charset="-127"/>
               </a:rPr>
               <a:t>05</a:t>
             </a:r>
             <a:r>
-              <a:rPr lang="ko-KR" altLang="en-US" dirty="0" smtClean="0">
+              <a:rPr lang="ko-KR" altLang="en-US" dirty="0">
                 <a:latin typeface="배달의민족 연성" panose="020B0600000101010101" pitchFamily="50" charset="-127"/>
                 <a:ea typeface="배달의민족 연성" panose="020B0600000101010101" pitchFamily="50" charset="-127"/>
               </a:rPr>
               <a:t>월 </a:t>
             </a:r>
             <a:r>
-              <a:rPr lang="en-US" altLang="ko-KR" dirty="0" smtClean="0">
+              <a:rPr lang="en-US" altLang="ko-KR" dirty="0">
                 <a:latin typeface="배달의민족 연성" panose="020B0600000101010101" pitchFamily="50" charset="-127"/>
                 <a:ea typeface="배달의민족 연성" panose="020B0600000101010101" pitchFamily="50" charset="-127"/>
               </a:rPr>
               <a:t>08</a:t>
             </a:r>
             <a:r>
-              <a:rPr lang="ko-KR" altLang="en-US" dirty="0" smtClean="0">
+              <a:rPr lang="ko-KR" altLang="en-US" dirty="0">
                 <a:latin typeface="배달의민족 연성" panose="020B0600000101010101" pitchFamily="50" charset="-127"/>
                 <a:ea typeface="배달의민족 연성" panose="020B0600000101010101" pitchFamily="50" charset="-127"/>
               </a:rPr>
               <a:t>일</a:t>
             </a:r>
             <a:r>
-              <a:rPr lang="en-US" altLang="ko-KR" dirty="0" smtClean="0">
+              <a:rPr lang="en-US" altLang="ko-KR" dirty="0">
                 <a:latin typeface="배달의민족 연성" panose="020B0600000101010101" pitchFamily="50" charset="-127"/>
                 <a:ea typeface="배달의민족 연성" panose="020B0600000101010101" pitchFamily="50" charset="-127"/>
               </a:rPr>
               <a:t>,</a:t>
             </a:r>
-            <a:r>
-              <a:rPr lang="en-US" altLang="ko-KR" dirty="0" smtClean="0">
+            <a:br>
+              <a:rPr lang="en-US" altLang="ko-KR" dirty="0">
                 <a:latin typeface="배달의민족 연성" panose="020B0600000101010101" pitchFamily="50" charset="-127"/>
                 <a:ea typeface="배달의민족 연성" panose="020B0600000101010101" pitchFamily="50" charset="-127"/>
                 <a:hlinkClick r:id="rId8"/>
               </a:rPr>
-              <a:t/>
-            </a:r>
-            <a:br>
-              <a:rPr lang="en-US" altLang="ko-KR" dirty="0" smtClean="0">
+            </a:br>
+            <a:r>
+              <a:rPr lang="en-US" altLang="ko-KR" dirty="0">
                 <a:latin typeface="배달의민족 연성" panose="020B0600000101010101" pitchFamily="50" charset="-127"/>
                 <a:ea typeface="배달의민족 연성" panose="020B0600000101010101" pitchFamily="50" charset="-127"/>
                 <a:hlinkClick r:id="rId8"/>
               </a:rPr>
-            </a:br>
-            <a:r>
-              <a:rPr lang="en-US" altLang="ko-KR" dirty="0" smtClean="0">
-                <a:latin typeface="배달의민족 연성" panose="020B0600000101010101" pitchFamily="50" charset="-127"/>
-                <a:ea typeface="배달의민족 연성" panose="020B0600000101010101" pitchFamily="50" charset="-127"/>
-                <a:hlinkClick r:id="rId8"/>
-              </a:rPr>
-              <a:t>https</a:t>
-            </a:r>
-            <a:r>
-              <a:rPr lang="en-US" altLang="ko-KR" dirty="0">
-                <a:latin typeface="배달의민족 연성" panose="020B0600000101010101" pitchFamily="50" charset="-127"/>
-                <a:ea typeface="배달의민족 연성" panose="020B0600000101010101" pitchFamily="50" charset="-127"/>
-                <a:hlinkClick r:id="rId8"/>
-              </a:rPr>
-              <a:t>://koreamin.tistory.com/entry/Kmeans-%EC%95%8C%EA%B3%A0%EB%A6%AC%EC%A6%98</a:t>
+              <a:t>https://koreamin.tistory.com/entry/Kmeans-%EC%95%8C%EA%B3%A0%EB%A6%AC%EC%A6%98</a:t>
             </a:r>
             <a:endParaRPr lang="en-US" altLang="ko-KR" dirty="0">
               <a:latin typeface="배달의민족 연성" panose="020B0600000101010101" pitchFamily="50" charset="-127"/>
@@ -11126,13 +11039,6 @@
   <p:clrMapOvr>
     <a:masterClrMapping/>
   </p:clrMapOvr>
-  <p:timing>
-    <p:tnLst>
-      <p:par>
-        <p:cTn id="1" dur="indefinite" restart="never" nodeType="tmRoot"/>
-      </p:par>
-    </p:tnLst>
-  </p:timing>
 </p:sld>
 </file>
 
@@ -11378,7 +11284,7 @@
           </a:prstGeom>
           <a:extLst>
             <a:ext uri="{C572A759-6A51-4108-AA02-DFA0A04FC94B}">
-              <ma14:wrappingTextBoxFlag xmlns="" xmlns:m="http://schemas.openxmlformats.org/officeDocument/2006/math" xmlns:a14="http://schemas.microsoft.com/office/drawing/2010/main" xmlns:ma14="http://schemas.microsoft.com/office/mac/drawingml/2011/main" val="1"/>
+              <ma14:wrappingTextBoxFlag xmlns:ma14="http://schemas.microsoft.com/office/mac/drawingml/2011/main" xmlns:a14="http://schemas.microsoft.com/office/drawing/2010/main" xmlns:m="http://schemas.openxmlformats.org/officeDocument/2006/math" xmlns="" val="1"/>
             </a:ext>
           </a:extLst>
         </p:spPr>
@@ -11419,7 +11325,7 @@
           </a:ln>
           <a:extLst>
             <a:ext uri="{C572A759-6A51-4108-AA02-DFA0A04FC94B}">
-              <ma14:wrappingTextBoxFlag xmlns="" xmlns:m="http://schemas.openxmlformats.org/officeDocument/2006/math" xmlns:a14="http://schemas.microsoft.com/office/drawing/2010/main" xmlns:ma14="http://schemas.microsoft.com/office/mac/drawingml/2011/main" val="1"/>
+              <ma14:wrappingTextBoxFlag xmlns:ma14="http://schemas.microsoft.com/office/mac/drawingml/2011/main" xmlns:a14="http://schemas.microsoft.com/office/drawing/2010/main" xmlns:m="http://schemas.openxmlformats.org/officeDocument/2006/math" xmlns="" val="1"/>
             </a:ext>
           </a:extLst>
         </p:spPr>
@@ -11501,7 +11407,7 @@
           </a:ln>
           <a:extLst>
             <a:ext uri="{C572A759-6A51-4108-AA02-DFA0A04FC94B}">
-              <ma14:wrappingTextBoxFlag xmlns="" xmlns:m="http://schemas.openxmlformats.org/officeDocument/2006/math" xmlns:a14="http://schemas.microsoft.com/office/drawing/2010/main" xmlns:ma14="http://schemas.microsoft.com/office/mac/drawingml/2011/main" val="1"/>
+              <ma14:wrappingTextBoxFlag xmlns:ma14="http://schemas.microsoft.com/office/mac/drawingml/2011/main" xmlns:a14="http://schemas.microsoft.com/office/drawing/2010/main" xmlns:m="http://schemas.openxmlformats.org/officeDocument/2006/math" xmlns="" val="1"/>
             </a:ext>
           </a:extLst>
         </p:spPr>
@@ -12008,13 +11914,6 @@
   <p:clrMapOvr>
     <a:masterClrMapping/>
   </p:clrMapOvr>
-  <p:timing>
-    <p:tnLst>
-      <p:par>
-        <p:cTn id="1" dur="indefinite" restart="never" nodeType="tmRoot"/>
-      </p:par>
-    </p:tnLst>
-  </p:timing>
 </p:sld>
 </file>
 
@@ -12876,7 +12775,7 @@
               <a:t> </a:t>
             </a:r>
             <a:r>
-              <a:rPr sz="2400" dirty="0" err="1" smtClean="0">
+              <a:rPr sz="2400" dirty="0" err="1">
                 <a:latin typeface="배달의민족 연성" panose="020B0600000101010101" pitchFamily="50" charset="-127"/>
                 <a:ea typeface="배달의민족 연성" panose="020B0600000101010101" pitchFamily="50" charset="-127"/>
               </a:rPr>
@@ -12909,7 +12808,7 @@
           </a:prstGeom>
           <a:extLst>
             <a:ext uri="{C572A759-6A51-4108-AA02-DFA0A04FC94B}">
-              <ma14:wrappingTextBoxFlag xmlns="" xmlns:m="http://schemas.openxmlformats.org/officeDocument/2006/math" xmlns:a14="http://schemas.microsoft.com/office/drawing/2010/main" xmlns:ma14="http://schemas.microsoft.com/office/mac/drawingml/2011/main" val="1"/>
+              <ma14:wrappingTextBoxFlag xmlns:ma14="http://schemas.microsoft.com/office/mac/drawingml/2011/main" xmlns:a14="http://schemas.microsoft.com/office/drawing/2010/main" xmlns:m="http://schemas.openxmlformats.org/officeDocument/2006/math" xmlns="" val="1"/>
             </a:ext>
           </a:extLst>
         </p:spPr>
@@ -13104,13 +13003,6 @@
   <p:clrMapOvr>
     <a:masterClrMapping/>
   </p:clrMapOvr>
-  <p:timing>
-    <p:tnLst>
-      <p:par>
-        <p:cTn id="1" dur="indefinite" restart="never" nodeType="tmRoot"/>
-      </p:par>
-    </p:tnLst>
-  </p:timing>
 </p:sld>
 </file>
 
@@ -13440,7 +13332,7 @@
           </a:prstGeom>
           <a:extLst>
             <a:ext uri="{C572A759-6A51-4108-AA02-DFA0A04FC94B}">
-              <ma14:wrappingTextBoxFlag xmlns="" xmlns:m="http://schemas.openxmlformats.org/officeDocument/2006/math" xmlns:a14="http://schemas.microsoft.com/office/drawing/2010/main" xmlns:ma14="http://schemas.microsoft.com/office/mac/drawingml/2011/main" val="1"/>
+              <ma14:wrappingTextBoxFlag xmlns:ma14="http://schemas.microsoft.com/office/mac/drawingml/2011/main" xmlns:a14="http://schemas.microsoft.com/office/drawing/2010/main" xmlns:m="http://schemas.openxmlformats.org/officeDocument/2006/math" xmlns="" val="1"/>
             </a:ext>
           </a:extLst>
         </p:spPr>
@@ -13481,7 +13373,7 @@
           </a:ln>
           <a:extLst>
             <a:ext uri="{C572A759-6A51-4108-AA02-DFA0A04FC94B}">
-              <ma14:wrappingTextBoxFlag xmlns="" xmlns:m="http://schemas.openxmlformats.org/officeDocument/2006/math" xmlns:a14="http://schemas.microsoft.com/office/drawing/2010/main" xmlns:ma14="http://schemas.microsoft.com/office/mac/drawingml/2011/main" val="1"/>
+              <ma14:wrappingTextBoxFlag xmlns:ma14="http://schemas.microsoft.com/office/mac/drawingml/2011/main" xmlns:a14="http://schemas.microsoft.com/office/drawing/2010/main" xmlns:m="http://schemas.openxmlformats.org/officeDocument/2006/math" xmlns="" val="1"/>
             </a:ext>
           </a:extLst>
         </p:spPr>
@@ -13571,13 +13463,6 @@
                 <a:ea typeface="배달의민족 연성" panose="020B0600000101010101" pitchFamily="50" charset="-127"/>
               </a:rPr>
               <a:t>은</a:t>
-            </a:r>
-            <a:r>
-              <a:rPr lang="en-US" altLang="ko-KR" sz="2400" dirty="0">
-                <a:latin typeface="배달의민족 연성" panose="020B0600000101010101" pitchFamily="50" charset="-127"/>
-                <a:ea typeface="배달의민족 연성" panose="020B0600000101010101" pitchFamily="50" charset="-127"/>
-              </a:rPr>
-              <a:t/>
             </a:r>
             <a:br>
               <a:rPr lang="en-US" altLang="ko-KR" sz="2400" dirty="0">
@@ -15050,7 +14935,7 @@
           </a:prstGeom>
           <a:extLst>
             <a:ext uri="{C572A759-6A51-4108-AA02-DFA0A04FC94B}">
-              <ma14:wrappingTextBoxFlag xmlns="" xmlns:m="http://schemas.openxmlformats.org/officeDocument/2006/math" xmlns:a14="http://schemas.microsoft.com/office/drawing/2010/main" xmlns:ma14="http://schemas.microsoft.com/office/mac/drawingml/2011/main" val="1"/>
+              <ma14:wrappingTextBoxFlag xmlns:ma14="http://schemas.microsoft.com/office/mac/drawingml/2011/main" xmlns:a14="http://schemas.microsoft.com/office/drawing/2010/main" xmlns:m="http://schemas.openxmlformats.org/officeDocument/2006/math" xmlns="" val="1"/>
             </a:ext>
           </a:extLst>
         </p:spPr>
@@ -15091,7 +14976,7 @@
           </a:ln>
           <a:extLst>
             <a:ext uri="{C572A759-6A51-4108-AA02-DFA0A04FC94B}">
-              <ma14:wrappingTextBoxFlag xmlns="" xmlns:m="http://schemas.openxmlformats.org/officeDocument/2006/math" xmlns:a14="http://schemas.microsoft.com/office/drawing/2010/main" xmlns:ma14="http://schemas.microsoft.com/office/mac/drawingml/2011/main" val="1"/>
+              <ma14:wrappingTextBoxFlag xmlns:ma14="http://schemas.microsoft.com/office/mac/drawingml/2011/main" xmlns:a14="http://schemas.microsoft.com/office/drawing/2010/main" xmlns:m="http://schemas.openxmlformats.org/officeDocument/2006/math" xmlns="" val="1"/>
             </a:ext>
           </a:extLst>
         </p:spPr>
@@ -15375,7 +15260,7 @@
                 <a14:useLocalDpi xmlns:a14="http://schemas.microsoft.com/office/drawing/2010/main" val="0"/>
               </a:ext>
               <a:ext uri="{96DAC541-7B7A-43D3-8B79-37D633B846F1}">
-                <asvg:svgBlip xmlns="" xmlns:asvg="http://schemas.microsoft.com/office/drawing/2016/SVG/main" r:embed="rId5"/>
+                <asvg:svgBlip xmlns:asvg="http://schemas.microsoft.com/office/drawing/2016/SVG/main" r:embed="rId5"/>
               </a:ext>
             </a:extLst>
           </a:blip>
@@ -15414,7 +15299,7 @@
                 <a14:useLocalDpi xmlns:a14="http://schemas.microsoft.com/office/drawing/2010/main" val="0"/>
               </a:ext>
               <a:ext uri="{96DAC541-7B7A-43D3-8B79-37D633B846F1}">
-                <asvg:svgBlip xmlns="" xmlns:asvg="http://schemas.microsoft.com/office/drawing/2016/SVG/main" r:embed="rId7"/>
+                <asvg:svgBlip xmlns:asvg="http://schemas.microsoft.com/office/drawing/2016/SVG/main" r:embed="rId7"/>
               </a:ext>
             </a:extLst>
           </a:blip>
@@ -15453,7 +15338,7 @@
                 <a14:useLocalDpi xmlns:a14="http://schemas.microsoft.com/office/drawing/2010/main" val="0"/>
               </a:ext>
               <a:ext uri="{96DAC541-7B7A-43D3-8B79-37D633B846F1}">
-                <asvg:svgBlip xmlns="" xmlns:asvg="http://schemas.microsoft.com/office/drawing/2016/SVG/main" r:embed="rId9"/>
+                <asvg:svgBlip xmlns:asvg="http://schemas.microsoft.com/office/drawing/2016/SVG/main" r:embed="rId9"/>
               </a:ext>
             </a:extLst>
           </a:blip>
@@ -16829,7 +16714,7 @@
           </a:prstGeom>
           <a:extLst>
             <a:ext uri="{C572A759-6A51-4108-AA02-DFA0A04FC94B}">
-              <ma14:wrappingTextBoxFlag xmlns="" xmlns:m="http://schemas.openxmlformats.org/officeDocument/2006/math" xmlns:a14="http://schemas.microsoft.com/office/drawing/2010/main" xmlns:ma14="http://schemas.microsoft.com/office/mac/drawingml/2011/main" val="1"/>
+              <ma14:wrappingTextBoxFlag xmlns:ma14="http://schemas.microsoft.com/office/mac/drawingml/2011/main" xmlns:a14="http://schemas.microsoft.com/office/drawing/2010/main" xmlns:m="http://schemas.openxmlformats.org/officeDocument/2006/math" xmlns="" val="1"/>
             </a:ext>
           </a:extLst>
         </p:spPr>
@@ -16897,7 +16782,7 @@
           </a:ln>
           <a:extLst>
             <a:ext uri="{C572A759-6A51-4108-AA02-DFA0A04FC94B}">
-              <ma14:wrappingTextBoxFlag xmlns="" xmlns:m="http://schemas.openxmlformats.org/officeDocument/2006/math" xmlns:a14="http://schemas.microsoft.com/office/drawing/2010/main" xmlns:ma14="http://schemas.microsoft.com/office/mac/drawingml/2011/main" val="1"/>
+              <ma14:wrappingTextBoxFlag xmlns:ma14="http://schemas.microsoft.com/office/mac/drawingml/2011/main" xmlns:a14="http://schemas.microsoft.com/office/drawing/2010/main" xmlns:m="http://schemas.openxmlformats.org/officeDocument/2006/math" xmlns="" val="1"/>
             </a:ext>
           </a:extLst>
         </p:spPr>
@@ -17194,7 +17079,7 @@
           </a:ln>
           <a:extLst>
             <a:ext uri="{C572A759-6A51-4108-AA02-DFA0A04FC94B}">
-              <ma14:wrappingTextBoxFlag xmlns="" xmlns:m="http://schemas.openxmlformats.org/officeDocument/2006/math" xmlns:a14="http://schemas.microsoft.com/office/drawing/2010/main" xmlns:ma14="http://schemas.microsoft.com/office/mac/drawingml/2011/main" val="1"/>
+              <ma14:wrappingTextBoxFlag xmlns:ma14="http://schemas.microsoft.com/office/mac/drawingml/2011/main" xmlns:a14="http://schemas.microsoft.com/office/drawing/2010/main" xmlns:m="http://schemas.openxmlformats.org/officeDocument/2006/math" xmlns="" val="1"/>
             </a:ext>
           </a:extLst>
         </p:spPr>
@@ -17428,7 +17313,7 @@
           </a:ln>
           <a:extLst>
             <a:ext uri="{C572A759-6A51-4108-AA02-DFA0A04FC94B}">
-              <ma14:wrappingTextBoxFlag xmlns="" xmlns:m="http://schemas.openxmlformats.org/officeDocument/2006/math" xmlns:a14="http://schemas.microsoft.com/office/drawing/2010/main" xmlns:ma14="http://schemas.microsoft.com/office/mac/drawingml/2011/main" val="1"/>
+              <ma14:wrappingTextBoxFlag xmlns:ma14="http://schemas.microsoft.com/office/mac/drawingml/2011/main" xmlns:a14="http://schemas.microsoft.com/office/drawing/2010/main" xmlns:m="http://schemas.openxmlformats.org/officeDocument/2006/math" xmlns="" val="1"/>
             </a:ext>
           </a:extLst>
         </p:spPr>
@@ -18925,7 +18810,7 @@
           </a:prstGeom>
           <a:extLst>
             <a:ext uri="{C572A759-6A51-4108-AA02-DFA0A04FC94B}">
-              <ma14:wrappingTextBoxFlag xmlns="" xmlns:m="http://schemas.openxmlformats.org/officeDocument/2006/math" xmlns:a14="http://schemas.microsoft.com/office/drawing/2010/main" xmlns:ma14="http://schemas.microsoft.com/office/mac/drawingml/2011/main" val="1"/>
+              <ma14:wrappingTextBoxFlag xmlns:ma14="http://schemas.microsoft.com/office/mac/drawingml/2011/main" xmlns:a14="http://schemas.microsoft.com/office/drawing/2010/main" xmlns:m="http://schemas.openxmlformats.org/officeDocument/2006/math" xmlns="" val="1"/>
             </a:ext>
           </a:extLst>
         </p:spPr>
@@ -19171,76 +19056,69 @@
                     <a:p>
                       <a:pPr algn="ctr" latinLnBrk="1"/>
                       <a:r>
-                        <a:rPr lang="ko-KR" altLang="en-US" sz="2000" dirty="0" smtClean="0">
+                        <a:rPr lang="ko-KR" altLang="en-US" sz="2000" dirty="0">
                           <a:latin typeface="배달의민족 연성" panose="020B0600000101010101" pitchFamily="50" charset="-127"/>
                           <a:ea typeface="배달의민족 연성" panose="020B0600000101010101" pitchFamily="50" charset="-127"/>
                         </a:rPr>
                         <a:t>데이터 다운</a:t>
                       </a:r>
-                      <a:r>
-                        <a:rPr lang="en-US" altLang="ko-KR" sz="2000" dirty="0" smtClean="0">
-                          <a:latin typeface="배달의민족 연성" panose="020B0600000101010101" pitchFamily="50" charset="-127"/>
-                          <a:ea typeface="배달의민족 연성" panose="020B0600000101010101" pitchFamily="50" charset="-127"/>
-                        </a:rPr>
-                        <a:t/>
-                      </a:r>
                       <a:br>
-                        <a:rPr lang="en-US" altLang="ko-KR" sz="2000" dirty="0" smtClean="0">
+                        <a:rPr lang="en-US" altLang="ko-KR" sz="2000" dirty="0">
                           <a:latin typeface="배달의민족 연성" panose="020B0600000101010101" pitchFamily="50" charset="-127"/>
                           <a:ea typeface="배달의민족 연성" panose="020B0600000101010101" pitchFamily="50" charset="-127"/>
                         </a:rPr>
                       </a:br>
                       <a:r>
-                        <a:rPr lang="en-US" altLang="ko-KR" sz="1400" dirty="0" smtClean="0">
+                        <a:rPr lang="en-US" altLang="ko-KR" sz="1400" dirty="0">
                           <a:latin typeface="배달의민족 연성" panose="020B0600000101010101" pitchFamily="50" charset="-127"/>
                           <a:ea typeface="배달의민족 연성" panose="020B0600000101010101" pitchFamily="50" charset="-127"/>
                         </a:rPr>
                         <a:t>(</a:t>
                       </a:r>
                       <a:r>
-                        <a:rPr lang="ko-KR" altLang="en-US" sz="1400" dirty="0" smtClean="0">
+                        <a:rPr lang="ko-KR" altLang="en-US" sz="1400" dirty="0">
                           <a:latin typeface="배달의민족 연성" panose="020B0600000101010101" pitchFamily="50" charset="-127"/>
                           <a:ea typeface="배달의민족 연성" panose="020B0600000101010101" pitchFamily="50" charset="-127"/>
                         </a:rPr>
                         <a:t>년</a:t>
                       </a:r>
                       <a:r>
-                        <a:rPr lang="en-US" altLang="ko-KR" sz="1400" dirty="0" smtClean="0">
+                        <a:rPr lang="en-US" altLang="ko-KR" sz="1400" dirty="0">
                           <a:latin typeface="배달의민족 연성" panose="020B0600000101010101" pitchFamily="50" charset="-127"/>
                           <a:ea typeface="배달의민족 연성" panose="020B0600000101010101" pitchFamily="50" charset="-127"/>
                         </a:rPr>
                         <a:t>, </a:t>
                       </a:r>
                       <a:r>
-                        <a:rPr lang="ko-KR" altLang="en-US" sz="1400" dirty="0" smtClean="0">
+                        <a:rPr lang="ko-KR" altLang="en-US" sz="1400" dirty="0">
                           <a:latin typeface="배달의민족 연성" panose="020B0600000101010101" pitchFamily="50" charset="-127"/>
                           <a:ea typeface="배달의민족 연성" panose="020B0600000101010101" pitchFamily="50" charset="-127"/>
                         </a:rPr>
                         <a:t>월</a:t>
                       </a:r>
                       <a:r>
-                        <a:rPr lang="en-US" altLang="ko-KR" sz="1400" dirty="0" smtClean="0">
+                        <a:rPr lang="en-US" altLang="ko-KR" sz="1400" dirty="0">
                           <a:latin typeface="배달의민족 연성" panose="020B0600000101010101" pitchFamily="50" charset="-127"/>
                           <a:ea typeface="배달의민족 연성" panose="020B0600000101010101" pitchFamily="50" charset="-127"/>
                         </a:rPr>
                         <a:t>,</a:t>
                       </a:r>
                       <a:r>
-                        <a:rPr lang="en-US" altLang="ko-KR" sz="1400" baseline="0" dirty="0" smtClean="0">
+                        <a:rPr lang="en-US" altLang="ko-KR" sz="1400" baseline="0" dirty="0">
                           <a:latin typeface="배달의민족 연성" panose="020B0600000101010101" pitchFamily="50" charset="-127"/>
                           <a:ea typeface="배달의민족 연성" panose="020B0600000101010101" pitchFamily="50" charset="-127"/>
                         </a:rPr>
                         <a:t> </a:t>
                       </a:r>
                       <a:r>
-                        <a:rPr lang="ko-KR" altLang="en-US" sz="1400" baseline="0" dirty="0" smtClean="0">
+                        <a:rPr lang="ko-KR" altLang="en-US" sz="1400" baseline="0" dirty="0">
                           <a:latin typeface="배달의민족 연성" panose="020B0600000101010101" pitchFamily="50" charset="-127"/>
                           <a:ea typeface="배달의민족 연성" panose="020B0600000101010101" pitchFamily="50" charset="-127"/>
                         </a:rPr>
                         <a:t>일 단위</a:t>
                       </a:r>
                       <a:r>
-                        <a:rPr lang="en-US" altLang="ko-KR" sz="1400" dirty="0" smtClean="0">
+                        <a:rPr lang="en-US" altLang="ko-KR" sz="1400" dirty="0">
                           <a:latin typeface="배달의민족 연성" panose="020B0600000101010101" pitchFamily="50" charset="-127"/>
                           <a:ea typeface="배달의민족 연성" panose="020B0600000101010101" pitchFamily="50" charset="-127"/>
                         </a:rPr>
@@ -19264,35 +19142,35 @@
                     <a:p>
                       <a:pPr algn="ctr" latinLnBrk="1"/>
                       <a:r>
-                        <a:rPr lang="ko-KR" altLang="en-US" sz="2000" dirty="0" smtClean="0">
+                        <a:rPr lang="ko-KR" altLang="en-US" sz="2000" dirty="0">
                           <a:latin typeface="배달의민족 연성" panose="020B0600000101010101" pitchFamily="50" charset="-127"/>
                           <a:ea typeface="배달의민족 연성" panose="020B0600000101010101" pitchFamily="50" charset="-127"/>
                         </a:rPr>
                         <a:t>데이터 분석</a:t>
                       </a:r>
                       <a:r>
-                        <a:rPr lang="en-US" altLang="ko-KR" sz="2000" dirty="0" smtClean="0">
+                        <a:rPr lang="en-US" altLang="ko-KR" sz="2000" dirty="0">
                           <a:latin typeface="배달의민족 연성" panose="020B0600000101010101" pitchFamily="50" charset="-127"/>
                           <a:ea typeface="배달의민족 연성" panose="020B0600000101010101" pitchFamily="50" charset="-127"/>
                         </a:rPr>
                         <a:t>(csv</a:t>
                       </a:r>
                       <a:r>
-                        <a:rPr lang="en-US" altLang="ko-KR" sz="2000" baseline="0" dirty="0" smtClean="0">
+                        <a:rPr lang="en-US" altLang="ko-KR" sz="2000" baseline="0" dirty="0">
                           <a:latin typeface="배달의민족 연성" panose="020B0600000101010101" pitchFamily="50" charset="-127"/>
                           <a:ea typeface="배달의민족 연성" panose="020B0600000101010101" pitchFamily="50" charset="-127"/>
                         </a:rPr>
                         <a:t> </a:t>
                       </a:r>
                       <a:r>
-                        <a:rPr lang="ko-KR" altLang="en-US" sz="2000" baseline="0" dirty="0" smtClean="0">
+                        <a:rPr lang="ko-KR" altLang="en-US" sz="2000" baseline="0" dirty="0">
                           <a:latin typeface="배달의민족 연성" panose="020B0600000101010101" pitchFamily="50" charset="-127"/>
                           <a:ea typeface="배달의민족 연성" panose="020B0600000101010101" pitchFamily="50" charset="-127"/>
                         </a:rPr>
                         <a:t>파일</a:t>
                       </a:r>
                       <a:r>
-                        <a:rPr lang="en-US" altLang="ko-KR" sz="2000" dirty="0" smtClean="0">
+                        <a:rPr lang="en-US" altLang="ko-KR" sz="2000" dirty="0">
                           <a:latin typeface="배달의민족 연성" panose="020B0600000101010101" pitchFamily="50" charset="-127"/>
                           <a:ea typeface="배달의민족 연성" panose="020B0600000101010101" pitchFamily="50" charset="-127"/>
                         </a:rPr>
@@ -19320,13 +19198,13 @@
                     <a:p>
                       <a:pPr algn="ctr" latinLnBrk="1"/>
                       <a:r>
-                        <a:rPr lang="en-US" altLang="ko-KR" sz="2000" dirty="0" err="1" smtClean="0">
+                        <a:rPr lang="en-US" altLang="ko-KR" sz="2000" dirty="0" err="1">
                           <a:latin typeface="배달의민족 연성" panose="020B0600000101010101" pitchFamily="50" charset="-127"/>
                           <a:ea typeface="배달의민족 연성" panose="020B0600000101010101" pitchFamily="50" charset="-127"/>
                         </a:rPr>
                         <a:t>Pandans</a:t>
                       </a:r>
-                      <a:endParaRPr lang="en-US" altLang="ko-KR" sz="2000" baseline="0" dirty="0" smtClean="0">
+                      <a:endParaRPr lang="en-US" altLang="ko-KR" sz="2000" baseline="0" dirty="0">
                         <a:latin typeface="배달의민족 연성" panose="020B0600000101010101" pitchFamily="50" charset="-127"/>
                         <a:ea typeface="배달의민족 연성" panose="020B0600000101010101" pitchFamily="50" charset="-127"/>
                       </a:endParaRPr>
@@ -19334,14 +19212,14 @@
                     <a:p>
                       <a:pPr algn="ctr" latinLnBrk="1"/>
                       <a:r>
-                        <a:rPr lang="ko-KR" altLang="en-US" sz="2000" baseline="0" dirty="0" smtClean="0">
+                        <a:rPr lang="ko-KR" altLang="en-US" sz="2000" baseline="0" dirty="0">
                           <a:latin typeface="배달의민족 연성" panose="020B0600000101010101" pitchFamily="50" charset="-127"/>
                           <a:ea typeface="배달의민족 연성" panose="020B0600000101010101" pitchFamily="50" charset="-127"/>
                         </a:rPr>
                         <a:t>데이터 </a:t>
                       </a:r>
                       <a:r>
-                        <a:rPr lang="ko-KR" altLang="en-US" sz="2000" dirty="0" err="1" smtClean="0">
+                        <a:rPr lang="ko-KR" altLang="en-US" sz="2000" dirty="0" err="1">
                           <a:latin typeface="배달의민족 연성" panose="020B0600000101010101" pitchFamily="50" charset="-127"/>
                           <a:ea typeface="배달의민족 연성" panose="020B0600000101010101" pitchFamily="50" charset="-127"/>
                         </a:rPr>
@@ -19465,28 +19343,28 @@
           <a:lstStyle/>
           <a:p>
             <a:r>
-              <a:rPr lang="en-US" altLang="ko-KR" sz="1400" dirty="0" smtClean="0">
+              <a:rPr lang="en-US" altLang="ko-KR" sz="1400" dirty="0">
                 <a:latin typeface="배달의민족 연성" panose="020B0600000101010101" pitchFamily="50" charset="-127"/>
                 <a:ea typeface="배달의민족 연성" panose="020B0600000101010101" pitchFamily="50" charset="-127"/>
               </a:rPr>
               <a:t>* </a:t>
             </a:r>
             <a:r>
-              <a:rPr lang="ko-KR" altLang="en-US" sz="1400" dirty="0" err="1" smtClean="0">
+              <a:rPr lang="ko-KR" altLang="en-US" sz="1400" dirty="0" err="1">
                 <a:latin typeface="배달의민족 연성" panose="020B0600000101010101" pitchFamily="50" charset="-127"/>
                 <a:ea typeface="배달의민족 연성" panose="020B0600000101010101" pitchFamily="50" charset="-127"/>
               </a:rPr>
               <a:t>데이터셋</a:t>
             </a:r>
             <a:r>
-              <a:rPr lang="ko-KR" altLang="en-US" sz="1400" dirty="0" smtClean="0">
+              <a:rPr lang="ko-KR" altLang="en-US" sz="1400" dirty="0">
                 <a:latin typeface="배달의민족 연성" panose="020B0600000101010101" pitchFamily="50" charset="-127"/>
                 <a:ea typeface="배달의민족 연성" panose="020B0600000101010101" pitchFamily="50" charset="-127"/>
               </a:rPr>
               <a:t> 다운</a:t>
             </a:r>
             <a:r>
-              <a:rPr lang="en-US" altLang="ko-KR" sz="1400" dirty="0" smtClean="0">
+              <a:rPr lang="en-US" altLang="ko-KR" sz="1400" dirty="0">
                 <a:latin typeface="배달의민족 연성" panose="020B0600000101010101" pitchFamily="50" charset="-127"/>
                 <a:ea typeface="배달의민족 연성" panose="020B0600000101010101" pitchFamily="50" charset="-127"/>
               </a:rPr>
@@ -19500,7 +19378,7 @@
               <a:t>기상 데이터 포털 </a:t>
             </a:r>
             <a:r>
-              <a:rPr lang="en-US" altLang="ko-KR" sz="1400" dirty="0" smtClean="0">
+              <a:rPr lang="en-US" altLang="ko-KR" sz="1400" dirty="0">
                 <a:latin typeface="배달의민족 연성" panose="020B0600000101010101" pitchFamily="50" charset="-127"/>
                 <a:ea typeface="배달의민족 연성" panose="020B0600000101010101" pitchFamily="50" charset="-127"/>
               </a:rPr>
@@ -19509,7 +19387,7 @@
           </a:p>
           <a:p>
             <a:r>
-              <a:rPr lang="en-US" altLang="ko-KR" sz="1400" dirty="0" smtClean="0">
+              <a:rPr lang="en-US" altLang="ko-KR" sz="1400" dirty="0">
                 <a:latin typeface="배달의민족 연성" panose="020B0600000101010101" pitchFamily="50" charset="-127"/>
                 <a:ea typeface="배달의민족 연성" panose="020B0600000101010101" pitchFamily="50" charset="-127"/>
               </a:rPr>
@@ -19984,7 +19862,7 @@
               <a:t> </a:t>
             </a:r>
             <a:r>
-              <a:rPr dirty="0" err="1" smtClean="0">
+              <a:rPr dirty="0" err="1">
                 <a:latin typeface="배달의민족 연성" panose="020B0600000101010101" pitchFamily="50" charset="-127"/>
                 <a:ea typeface="배달의민족 연성" panose="020B0600000101010101" pitchFamily="50" charset="-127"/>
               </a:rPr>
@@ -20017,7 +19895,7 @@
           </a:prstGeom>
           <a:extLst>
             <a:ext uri="{C572A759-6A51-4108-AA02-DFA0A04FC94B}">
-              <ma14:wrappingTextBoxFlag xmlns="" xmlns:m="http://schemas.openxmlformats.org/officeDocument/2006/math" xmlns:a14="http://schemas.microsoft.com/office/drawing/2010/main" xmlns:ma14="http://schemas.microsoft.com/office/mac/drawingml/2011/main" val="1"/>
+              <ma14:wrappingTextBoxFlag xmlns:ma14="http://schemas.microsoft.com/office/mac/drawingml/2011/main" xmlns:a14="http://schemas.microsoft.com/office/drawing/2010/main" xmlns:m="http://schemas.openxmlformats.org/officeDocument/2006/math" xmlns="" val="1"/>
             </a:ext>
           </a:extLst>
         </p:spPr>
@@ -20179,13 +20057,13 @@
           <p:nvPr>
             <p:extLst>
               <p:ext uri="{D42A27DB-BD31-4B8C-83A1-F6EECF244321}">
-                <p14:modId xmlns:p14="http://schemas.microsoft.com/office/powerpoint/2010/main" val="328193492"/>
+                <p14:modId xmlns:p14="http://schemas.microsoft.com/office/powerpoint/2010/main" val="3155990109"/>
               </p:ext>
             </p:extLst>
           </p:nvPr>
         </p:nvGraphicFramePr>
         <p:xfrm>
-          <a:off x="765977" y="1967660"/>
+          <a:off x="765977" y="1967659"/>
           <a:ext cx="1062823" cy="1662243"/>
         </p:xfrm>
         <a:graphic>
@@ -20203,7 +20081,7 @@
                   </a:extLst>
                 </a:gridCol>
               </a:tblGrid>
-              <a:tr h="473523">
+              <a:tr h="485483">
                 <a:tc>
                   <a:txBody>
                     <a:bodyPr/>
@@ -20211,16 +20089,12 @@
                     <a:p>
                       <a:pPr algn="ctr" latinLnBrk="1"/>
                       <a:r>
-                        <a:rPr lang="ko-KR" altLang="en-US" dirty="0" smtClean="0">
+                        <a:rPr lang="ko-KR" altLang="en-US" dirty="0">
                           <a:latin typeface="배달의민족 연성" panose="020B0600000101010101" pitchFamily="50" charset="-127"/>
                           <a:ea typeface="배달의민족 연성" panose="020B0600000101010101" pitchFamily="50" charset="-127"/>
                         </a:rPr>
                         <a:t>데이터 다운</a:t>
                       </a:r>
-                      <a:endParaRPr lang="ko-KR" altLang="en-US" dirty="0">
-                        <a:latin typeface="배달의민족 연성" panose="020B0600000101010101" pitchFamily="50" charset="-127"/>
-                        <a:ea typeface="배달의민족 연성" panose="020B0600000101010101" pitchFamily="50" charset="-127"/>
-                      </a:endParaRPr>
                     </a:p>
                   </a:txBody>
                   <a:tcPr/>
@@ -20231,7 +20105,7 @@
                   </a:ext>
                 </a:extLst>
               </a:tr>
-              <a:tr h="473523">
+              <a:tr h="1176760">
                 <a:tc>
                   <a:txBody>
                     <a:bodyPr/>
@@ -20239,13 +20113,13 @@
                     <a:p>
                       <a:pPr algn="ctr" latinLnBrk="1"/>
                       <a:r>
-                        <a:rPr lang="ko-KR" altLang="en-US" dirty="0" smtClean="0">
+                        <a:rPr lang="ko-KR" altLang="en-US" dirty="0">
                           <a:latin typeface="배달의민족 연성" panose="020B0600000101010101" pitchFamily="50" charset="-127"/>
                           <a:ea typeface="배달의민족 연성" panose="020B0600000101010101" pitchFamily="50" charset="-127"/>
                         </a:rPr>
                         <a:t>원하는</a:t>
                       </a:r>
-                      <a:endParaRPr lang="en-US" altLang="ko-KR" dirty="0" smtClean="0">
+                      <a:endParaRPr lang="en-US" altLang="ko-KR" dirty="0">
                         <a:latin typeface="배달의민족 연성" panose="020B0600000101010101" pitchFamily="50" charset="-127"/>
                         <a:ea typeface="배달의민족 연성" panose="020B0600000101010101" pitchFamily="50" charset="-127"/>
                       </a:endParaRPr>
@@ -20253,13 +20127,13 @@
                     <a:p>
                       <a:pPr algn="ctr" latinLnBrk="1"/>
                       <a:r>
-                        <a:rPr lang="ko-KR" altLang="en-US" dirty="0" smtClean="0">
+                        <a:rPr lang="ko-KR" altLang="en-US" dirty="0">
                           <a:latin typeface="배달의민족 연성" panose="020B0600000101010101" pitchFamily="50" charset="-127"/>
                           <a:ea typeface="배달의민족 연성" panose="020B0600000101010101" pitchFamily="50" charset="-127"/>
                         </a:rPr>
-                        <a:t>단위의</a:t>
+                        <a:t>데이터를</a:t>
                       </a:r>
-                      <a:endParaRPr lang="en-US" altLang="ko-KR" dirty="0" smtClean="0">
+                      <a:endParaRPr lang="en-US" altLang="ko-KR" dirty="0">
                         <a:latin typeface="배달의민족 연성" panose="020B0600000101010101" pitchFamily="50" charset="-127"/>
                         <a:ea typeface="배달의민족 연성" panose="020B0600000101010101" pitchFamily="50" charset="-127"/>
                       </a:endParaRPr>
@@ -20267,33 +20141,19 @@
                     <a:p>
                       <a:pPr algn="ctr" latinLnBrk="1"/>
                       <a:r>
-                        <a:rPr lang="ko-KR" altLang="en-US" dirty="0" smtClean="0">
+                        <a:rPr lang="ko-KR" altLang="en-US" dirty="0">
                           <a:latin typeface="배달의민족 연성" panose="020B0600000101010101" pitchFamily="50" charset="-127"/>
                           <a:ea typeface="배달의민족 연성" panose="020B0600000101010101" pitchFamily="50" charset="-127"/>
                         </a:rPr>
-                        <a:t>데이터를</a:t>
+                        <a:t>다운</a:t>
                       </a:r>
-                      <a:endParaRPr lang="en-US" altLang="ko-KR" dirty="0" smtClean="0">
-                        <a:latin typeface="배달의민족 연성" panose="020B0600000101010101" pitchFamily="50" charset="-127"/>
-                        <a:ea typeface="배달의민족 연성" panose="020B0600000101010101" pitchFamily="50" charset="-127"/>
-                      </a:endParaRPr>
-                    </a:p>
-                    <a:p>
-                      <a:pPr algn="ctr" latinLnBrk="1"/>
-                      <a:r>
-                        <a:rPr lang="ko-KR" altLang="en-US" dirty="0" smtClean="0">
-                          <a:latin typeface="배달의민족 연성" panose="020B0600000101010101" pitchFamily="50" charset="-127"/>
-                          <a:ea typeface="배달의민족 연성" panose="020B0600000101010101" pitchFamily="50" charset="-127"/>
-                        </a:rPr>
-                        <a:t>다운 받음</a:t>
-                      </a:r>
-                      <a:endParaRPr lang="ko-KR" altLang="en-US" dirty="0">
+                      <a:endParaRPr lang="en-US" altLang="ko-KR" dirty="0">
                         <a:latin typeface="배달의민족 연성" panose="020B0600000101010101" pitchFamily="50" charset="-127"/>
                         <a:ea typeface="배달의민족 연성" panose="020B0600000101010101" pitchFamily="50" charset="-127"/>
                       </a:endParaRPr>
                     </a:p>
                   </a:txBody>
-                  <a:tcPr/>
+                  <a:tcPr anchor="ctr"/>
                 </a:tc>
                 <a:extLst>
                   <a:ext uri="{0D108BD9-81ED-4DB2-BD59-A6C34878D82A}">
@@ -20346,14 +20206,14 @@
                     <a:p>
                       <a:pPr algn="ctr" latinLnBrk="1"/>
                       <a:r>
-                        <a:rPr lang="ko-KR" altLang="en-US" dirty="0" smtClean="0">
+                        <a:rPr lang="ko-KR" altLang="en-US" dirty="0">
                           <a:latin typeface="배달의민족 연성" panose="020B0600000101010101" pitchFamily="50" charset="-127"/>
                           <a:ea typeface="배달의민족 연성" panose="020B0600000101010101" pitchFamily="50" charset="-127"/>
                         </a:rPr>
                         <a:t>데이터</a:t>
                       </a:r>
                       <a:r>
-                        <a:rPr lang="ko-KR" altLang="en-US" baseline="0" dirty="0" smtClean="0">
+                        <a:rPr lang="ko-KR" altLang="en-US" baseline="0" dirty="0">
                           <a:latin typeface="배달의민족 연성" panose="020B0600000101010101" pitchFamily="50" charset="-127"/>
                           <a:ea typeface="배달의민족 연성" panose="020B0600000101010101" pitchFamily="50" charset="-127"/>
                         </a:rPr>
@@ -20381,7 +20241,7 @@
                     <a:p>
                       <a:pPr algn="ctr" latinLnBrk="1"/>
                       <a:r>
-                        <a:rPr lang="en-US" altLang="ko-KR" dirty="0" smtClean="0">
+                        <a:rPr lang="en-US" altLang="ko-KR" dirty="0">
                           <a:solidFill>
                             <a:srgbClr val="FF0000"/>
                           </a:solidFill>
@@ -20391,13 +20251,13 @@
                         <a:t>Pandas</a:t>
                       </a:r>
                       <a:r>
-                        <a:rPr lang="ko-KR" altLang="en-US" dirty="0" smtClean="0">
+                        <a:rPr lang="ko-KR" altLang="en-US" dirty="0">
                           <a:latin typeface="배달의민족 연성" panose="020B0600000101010101" pitchFamily="50" charset="-127"/>
                           <a:ea typeface="배달의민족 연성" panose="020B0600000101010101" pitchFamily="50" charset="-127"/>
                         </a:rPr>
                         <a:t>을</a:t>
                       </a:r>
-                      <a:endParaRPr lang="en-US" altLang="ko-KR" dirty="0" smtClean="0">
+                      <a:endParaRPr lang="en-US" altLang="ko-KR" dirty="0">
                         <a:latin typeface="배달의민족 연성" panose="020B0600000101010101" pitchFamily="50" charset="-127"/>
                         <a:ea typeface="배달의민족 연성" panose="020B0600000101010101" pitchFamily="50" charset="-127"/>
                       </a:endParaRPr>
@@ -20405,13 +20265,13 @@
                     <a:p>
                       <a:pPr algn="ctr" latinLnBrk="1"/>
                       <a:r>
-                        <a:rPr lang="ko-KR" altLang="en-US" dirty="0" smtClean="0">
+                        <a:rPr lang="ko-KR" altLang="en-US" dirty="0">
                           <a:latin typeface="배달의민족 연성" panose="020B0600000101010101" pitchFamily="50" charset="-127"/>
                           <a:ea typeface="배달의민족 연성" panose="020B0600000101010101" pitchFamily="50" charset="-127"/>
                         </a:rPr>
                         <a:t>사용한</a:t>
                       </a:r>
-                      <a:endParaRPr lang="en-US" altLang="ko-KR" dirty="0" smtClean="0">
+                      <a:endParaRPr lang="en-US" altLang="ko-KR" dirty="0">
                         <a:latin typeface="배달의민족 연성" panose="020B0600000101010101" pitchFamily="50" charset="-127"/>
                         <a:ea typeface="배달의민족 연성" panose="020B0600000101010101" pitchFamily="50" charset="-127"/>
                       </a:endParaRPr>
@@ -20419,30 +20279,26 @@
                     <a:p>
                       <a:pPr algn="ctr" latinLnBrk="1"/>
                       <a:r>
-                        <a:rPr lang="ko-KR" altLang="en-US" dirty="0" smtClean="0">
+                        <a:rPr lang="ko-KR" altLang="en-US" dirty="0">
                           <a:latin typeface="배달의민족 연성" panose="020B0600000101010101" pitchFamily="50" charset="-127"/>
                           <a:ea typeface="배달의민족 연성" panose="020B0600000101010101" pitchFamily="50" charset="-127"/>
                         </a:rPr>
                         <a:t>데이터</a:t>
                       </a:r>
                       <a:r>
-                        <a:rPr lang="en-US" altLang="ko-KR" baseline="0" dirty="0" smtClean="0">
+                        <a:rPr lang="en-US" altLang="ko-KR" baseline="0" dirty="0">
                           <a:latin typeface="배달의민족 연성" panose="020B0600000101010101" pitchFamily="50" charset="-127"/>
                           <a:ea typeface="배달의민족 연성" panose="020B0600000101010101" pitchFamily="50" charset="-127"/>
                         </a:rPr>
                         <a:t> </a:t>
                       </a:r>
                       <a:r>
-                        <a:rPr lang="ko-KR" altLang="en-US" dirty="0" smtClean="0">
+                        <a:rPr lang="ko-KR" altLang="en-US" dirty="0">
                           <a:latin typeface="배달의민족 연성" panose="020B0600000101010101" pitchFamily="50" charset="-127"/>
                           <a:ea typeface="배달의민족 연성" panose="020B0600000101010101" pitchFamily="50" charset="-127"/>
                         </a:rPr>
                         <a:t>추출</a:t>
                       </a:r>
-                      <a:endParaRPr lang="ko-KR" altLang="en-US" dirty="0">
-                        <a:latin typeface="배달의민족 연성" panose="020B0600000101010101" pitchFamily="50" charset="-127"/>
-                        <a:ea typeface="배달의민족 연성" panose="020B0600000101010101" pitchFamily="50" charset="-127"/>
-                      </a:endParaRPr>
                     </a:p>
                   </a:txBody>
                   <a:tcPr anchor="ctr"/>
@@ -20538,14 +20394,14 @@
                     <a:p>
                       <a:pPr algn="ctr" latinLnBrk="1"/>
                       <a:r>
-                        <a:rPr lang="ko-KR" altLang="en-US" dirty="0" smtClean="0">
+                        <a:rPr lang="ko-KR" altLang="en-US" dirty="0">
                           <a:latin typeface="배달의민족 연성" panose="020B0600000101010101" pitchFamily="50" charset="-127"/>
                           <a:ea typeface="배달의민족 연성" panose="020B0600000101010101" pitchFamily="50" charset="-127"/>
                         </a:rPr>
                         <a:t>데이터</a:t>
                       </a:r>
                       <a:r>
-                        <a:rPr lang="ko-KR" altLang="en-US" baseline="0" dirty="0" smtClean="0">
+                        <a:rPr lang="ko-KR" altLang="en-US" baseline="0" dirty="0">
                           <a:latin typeface="배달의민족 연성" panose="020B0600000101010101" pitchFamily="50" charset="-127"/>
                           <a:ea typeface="배달의민족 연성" panose="020B0600000101010101" pitchFamily="50" charset="-127"/>
                         </a:rPr>
@@ -20573,7 +20429,7 @@
                     <a:p>
                       <a:pPr algn="ctr" latinLnBrk="1"/>
                       <a:r>
-                        <a:rPr lang="en-US" altLang="ko-KR" dirty="0" smtClean="0">
+                        <a:rPr lang="en-US" altLang="ko-KR" dirty="0">
                           <a:solidFill>
                             <a:srgbClr val="FF0000"/>
                           </a:solidFill>
@@ -20586,7 +20442,7 @@
                     <a:p>
                       <a:pPr algn="ctr" latinLnBrk="1"/>
                       <a:r>
-                        <a:rPr lang="ko-KR" altLang="en-US" dirty="0" smtClean="0">
+                        <a:rPr lang="ko-KR" altLang="en-US" dirty="0">
                           <a:solidFill>
                             <a:srgbClr val="FF0000"/>
                           </a:solidFill>
@@ -20595,7 +20451,7 @@
                         </a:rPr>
                         <a:t>알고리즘</a:t>
                       </a:r>
-                      <a:endParaRPr lang="en-US" altLang="ko-KR" dirty="0" smtClean="0">
+                      <a:endParaRPr lang="en-US" altLang="ko-KR" dirty="0">
                         <a:solidFill>
                           <a:srgbClr val="FF0000"/>
                         </a:solidFill>
@@ -20606,13 +20462,13 @@
                     <a:p>
                       <a:pPr algn="ctr" latinLnBrk="1"/>
                       <a:r>
-                        <a:rPr lang="ko-KR" altLang="en-US" dirty="0" smtClean="0">
+                        <a:rPr lang="ko-KR" altLang="en-US" dirty="0">
                           <a:latin typeface="배달의민족 연성" panose="020B0600000101010101" pitchFamily="50" charset="-127"/>
                           <a:ea typeface="배달의민족 연성" panose="020B0600000101010101" pitchFamily="50" charset="-127"/>
                         </a:rPr>
                         <a:t>통한</a:t>
                       </a:r>
-                      <a:endParaRPr lang="en-US" altLang="ko-KR" dirty="0" smtClean="0">
+                      <a:endParaRPr lang="en-US" altLang="ko-KR" dirty="0">
                         <a:latin typeface="배달의민족 연성" panose="020B0600000101010101" pitchFamily="50" charset="-127"/>
                         <a:ea typeface="배달의민족 연성" panose="020B0600000101010101" pitchFamily="50" charset="-127"/>
                       </a:endParaRPr>
@@ -20620,16 +20476,12 @@
                     <a:p>
                       <a:pPr algn="ctr" latinLnBrk="1"/>
                       <a:r>
-                        <a:rPr lang="ko-KR" altLang="en-US" dirty="0" smtClean="0">
+                        <a:rPr lang="ko-KR" altLang="en-US" dirty="0">
                           <a:latin typeface="배달의민족 연성" panose="020B0600000101010101" pitchFamily="50" charset="-127"/>
                           <a:ea typeface="배달의민족 연성" panose="020B0600000101010101" pitchFamily="50" charset="-127"/>
                         </a:rPr>
                         <a:t>데이터 분석</a:t>
                       </a:r>
-                      <a:endParaRPr lang="ko-KR" altLang="en-US" dirty="0">
-                        <a:latin typeface="배달의민족 연성" panose="020B0600000101010101" pitchFamily="50" charset="-127"/>
-                        <a:ea typeface="배달의민족 연성" panose="020B0600000101010101" pitchFamily="50" charset="-127"/>
-                      </a:endParaRPr>
                     </a:p>
                   </a:txBody>
                   <a:tcPr/>
@@ -20725,14 +20577,14 @@
                     <a:p>
                       <a:pPr algn="ctr" latinLnBrk="1"/>
                       <a:r>
-                        <a:rPr lang="ko-KR" altLang="en-US" dirty="0" smtClean="0">
+                        <a:rPr lang="ko-KR" altLang="en-US" dirty="0">
                           <a:latin typeface="배달의민족 연성" panose="020B0600000101010101" pitchFamily="50" charset="-127"/>
                           <a:ea typeface="배달의민족 연성" panose="020B0600000101010101" pitchFamily="50" charset="-127"/>
                         </a:rPr>
                         <a:t>데이터</a:t>
                       </a:r>
                       <a:r>
-                        <a:rPr lang="ko-KR" altLang="en-US" baseline="0" dirty="0" smtClean="0">
+                        <a:rPr lang="ko-KR" altLang="en-US" baseline="0" dirty="0">
                           <a:latin typeface="배달의민족 연성" panose="020B0600000101010101" pitchFamily="50" charset="-127"/>
                           <a:ea typeface="배달의민족 연성" panose="020B0600000101010101" pitchFamily="50" charset="-127"/>
                         </a:rPr>
@@ -20760,13 +20612,13 @@
                     <a:p>
                       <a:pPr algn="ctr" latinLnBrk="1"/>
                       <a:r>
-                        <a:rPr lang="ko-KR" altLang="en-US" dirty="0" smtClean="0">
+                        <a:rPr lang="ko-KR" altLang="en-US" dirty="0">
                           <a:latin typeface="배달의민족 연성" panose="020B0600000101010101" pitchFamily="50" charset="-127"/>
                           <a:ea typeface="배달의민족 연성" panose="020B0600000101010101" pitchFamily="50" charset="-127"/>
                         </a:rPr>
                         <a:t>공통된</a:t>
                       </a:r>
-                      <a:endParaRPr lang="en-US" altLang="ko-KR" dirty="0" smtClean="0">
+                      <a:endParaRPr lang="en-US" altLang="ko-KR" dirty="0">
                         <a:latin typeface="배달의민족 연성" panose="020B0600000101010101" pitchFamily="50" charset="-127"/>
                         <a:ea typeface="배달의민족 연성" panose="020B0600000101010101" pitchFamily="50" charset="-127"/>
                       </a:endParaRPr>
@@ -20774,16 +20626,12 @@
                     <a:p>
                       <a:pPr algn="ctr" latinLnBrk="1"/>
                       <a:r>
-                        <a:rPr lang="ko-KR" altLang="en-US" dirty="0" smtClean="0">
+                        <a:rPr lang="ko-KR" altLang="en-US" dirty="0">
                           <a:latin typeface="배달의민족 연성" panose="020B0600000101010101" pitchFamily="50" charset="-127"/>
                           <a:ea typeface="배달의민족 연성" panose="020B0600000101010101" pitchFamily="50" charset="-127"/>
                         </a:rPr>
                         <a:t>데이터 확인</a:t>
                       </a:r>
-                      <a:endParaRPr lang="ko-KR" altLang="en-US" dirty="0">
-                        <a:latin typeface="배달의민족 연성" panose="020B0600000101010101" pitchFamily="50" charset="-127"/>
-                        <a:ea typeface="배달의민족 연성" panose="020B0600000101010101" pitchFamily="50" charset="-127"/>
-                      </a:endParaRPr>
                     </a:p>
                   </a:txBody>
                   <a:tcPr anchor="ctr"/>
@@ -20879,16 +20727,12 @@
                     <a:p>
                       <a:pPr algn="ctr" latinLnBrk="1"/>
                       <a:r>
-                        <a:rPr lang="ko-KR" altLang="en-US" dirty="0" smtClean="0">
+                        <a:rPr lang="ko-KR" altLang="en-US" dirty="0">
                           <a:latin typeface="배달의민족 연성" panose="020B0600000101010101" pitchFamily="50" charset="-127"/>
                           <a:ea typeface="배달의민족 연성" panose="020B0600000101010101" pitchFamily="50" charset="-127"/>
                         </a:rPr>
                         <a:t>서버 저장</a:t>
                       </a:r>
-                      <a:endParaRPr lang="ko-KR" altLang="en-US" dirty="0">
-                        <a:latin typeface="배달의민족 연성" panose="020B0600000101010101" pitchFamily="50" charset="-127"/>
-                        <a:ea typeface="배달의민족 연성" panose="020B0600000101010101" pitchFamily="50" charset="-127"/>
-                      </a:endParaRPr>
                     </a:p>
                   </a:txBody>
                   <a:tcPr anchor="ctr"/>
@@ -20907,13 +20751,13 @@
                     <a:p>
                       <a:pPr algn="ctr" latinLnBrk="1"/>
                       <a:r>
-                        <a:rPr lang="ko-KR" altLang="en-US" dirty="0" smtClean="0">
+                        <a:rPr lang="ko-KR" altLang="en-US" dirty="0">
                           <a:latin typeface="배달의민족 연성" panose="020B0600000101010101" pitchFamily="50" charset="-127"/>
                           <a:ea typeface="배달의민족 연성" panose="020B0600000101010101" pitchFamily="50" charset="-127"/>
                         </a:rPr>
                         <a:t>공통된</a:t>
                       </a:r>
-                      <a:endParaRPr lang="en-US" altLang="ko-KR" dirty="0" smtClean="0">
+                      <a:endParaRPr lang="en-US" altLang="ko-KR" dirty="0">
                         <a:latin typeface="배달의민족 연성" panose="020B0600000101010101" pitchFamily="50" charset="-127"/>
                         <a:ea typeface="배달의민족 연성" panose="020B0600000101010101" pitchFamily="50" charset="-127"/>
                       </a:endParaRPr>
@@ -20921,13 +20765,13 @@
                     <a:p>
                       <a:pPr algn="ctr" latinLnBrk="1"/>
                       <a:r>
-                        <a:rPr lang="ko-KR" altLang="en-US" dirty="0" smtClean="0">
+                        <a:rPr lang="ko-KR" altLang="en-US" dirty="0">
                           <a:latin typeface="배달의민족 연성" panose="020B0600000101010101" pitchFamily="50" charset="-127"/>
                           <a:ea typeface="배달의민족 연성" panose="020B0600000101010101" pitchFamily="50" charset="-127"/>
                         </a:rPr>
                         <a:t>데이터</a:t>
                       </a:r>
-                      <a:endParaRPr lang="en-US" altLang="ko-KR" dirty="0" smtClean="0">
+                      <a:endParaRPr lang="en-US" altLang="ko-KR" dirty="0">
                         <a:latin typeface="배달의민족 연성" panose="020B0600000101010101" pitchFamily="50" charset="-127"/>
                         <a:ea typeface="배달의민족 연성" panose="020B0600000101010101" pitchFamily="50" charset="-127"/>
                       </a:endParaRPr>
@@ -20935,16 +20779,12 @@
                     <a:p>
                       <a:pPr algn="ctr" latinLnBrk="1"/>
                       <a:r>
-                        <a:rPr lang="ko-KR" altLang="en-US" dirty="0" smtClean="0">
+                        <a:rPr lang="ko-KR" altLang="en-US" dirty="0">
                           <a:latin typeface="배달의민족 연성" panose="020B0600000101010101" pitchFamily="50" charset="-127"/>
                           <a:ea typeface="배달의민족 연성" panose="020B0600000101010101" pitchFamily="50" charset="-127"/>
                         </a:rPr>
                         <a:t>서버 저장</a:t>
                       </a:r>
-                      <a:endParaRPr lang="ko-KR" altLang="en-US" dirty="0">
-                        <a:latin typeface="배달의민족 연성" panose="020B0600000101010101" pitchFamily="50" charset="-127"/>
-                        <a:ea typeface="배달의민족 연성" panose="020B0600000101010101" pitchFamily="50" charset="-127"/>
-                      </a:endParaRPr>
                     </a:p>
                   </a:txBody>
                   <a:tcPr anchor="ctr"/>
@@ -21000,14 +20840,14 @@
                     <a:p>
                       <a:pPr algn="ctr" latinLnBrk="1"/>
                       <a:r>
-                        <a:rPr lang="ko-KR" altLang="en-US" spc="-100" dirty="0" smtClean="0">
+                        <a:rPr lang="ko-KR" altLang="en-US" spc="-100" dirty="0">
                           <a:latin typeface="배달의민족 연성" panose="020B0600000101010101" pitchFamily="50" charset="-127"/>
                           <a:ea typeface="배달의민족 연성" panose="020B0600000101010101" pitchFamily="50" charset="-127"/>
                         </a:rPr>
                         <a:t>데이터</a:t>
                       </a:r>
                       <a:r>
-                        <a:rPr lang="ko-KR" altLang="en-US" spc="-100" baseline="0" dirty="0" smtClean="0">
+                        <a:rPr lang="ko-KR" altLang="en-US" spc="-100" baseline="0" dirty="0">
                           <a:latin typeface="배달의민족 연성" panose="020B0600000101010101" pitchFamily="50" charset="-127"/>
                           <a:ea typeface="배달의민족 연성" panose="020B0600000101010101" pitchFamily="50" charset="-127"/>
                         </a:rPr>
@@ -21035,13 +20875,13 @@
                     <a:p>
                       <a:pPr algn="ctr" latinLnBrk="1"/>
                       <a:r>
-                        <a:rPr lang="ko-KR" altLang="en-US" dirty="0" smtClean="0">
+                        <a:rPr lang="ko-KR" altLang="en-US" dirty="0">
                           <a:latin typeface="배달의민족 연성" panose="020B0600000101010101" pitchFamily="50" charset="-127"/>
                           <a:ea typeface="배달의민족 연성" panose="020B0600000101010101" pitchFamily="50" charset="-127"/>
                         </a:rPr>
                         <a:t>공통점 없는</a:t>
                       </a:r>
-                      <a:endParaRPr lang="en-US" altLang="ko-KR" dirty="0" smtClean="0">
+                      <a:endParaRPr lang="en-US" altLang="ko-KR" dirty="0">
                         <a:latin typeface="배달의민족 연성" panose="020B0600000101010101" pitchFamily="50" charset="-127"/>
                         <a:ea typeface="배달의민족 연성" panose="020B0600000101010101" pitchFamily="50" charset="-127"/>
                       </a:endParaRPr>
@@ -21049,16 +20889,12 @@
                     <a:p>
                       <a:pPr algn="ctr" latinLnBrk="1"/>
                       <a:r>
-                        <a:rPr lang="ko-KR" altLang="en-US" spc="-100" baseline="0" dirty="0" smtClean="0">
+                        <a:rPr lang="ko-KR" altLang="en-US" spc="-100" baseline="0" dirty="0">
                           <a:latin typeface="배달의민족 연성" panose="020B0600000101010101" pitchFamily="50" charset="-127"/>
                           <a:ea typeface="배달의민족 연성" panose="020B0600000101010101" pitchFamily="50" charset="-127"/>
                         </a:rPr>
                         <a:t>데이터 삭제</a:t>
                       </a:r>
-                      <a:endParaRPr lang="ko-KR" altLang="en-US" spc="-100" baseline="0" dirty="0">
-                        <a:latin typeface="배달의민족 연성" panose="020B0600000101010101" pitchFamily="50" charset="-127"/>
-                        <a:ea typeface="배달의민족 연성" panose="020B0600000101010101" pitchFamily="50" charset="-127"/>
-                      </a:endParaRPr>
                     </a:p>
                   </a:txBody>
                   <a:tcPr anchor="ctr"/>
@@ -21234,16 +21070,12 @@
                     <a:p>
                       <a:pPr algn="ctr" latinLnBrk="1"/>
                       <a:r>
-                        <a:rPr lang="ko-KR" altLang="en-US" dirty="0" smtClean="0">
+                        <a:rPr lang="ko-KR" altLang="en-US" dirty="0">
                           <a:latin typeface="배달의민족 연성" panose="020B0600000101010101" pitchFamily="50" charset="-127"/>
                           <a:ea typeface="배달의민족 연성" panose="020B0600000101010101" pitchFamily="50" charset="-127"/>
                         </a:rPr>
                         <a:t>서비스</a:t>
                       </a:r>
-                      <a:endParaRPr lang="ko-KR" altLang="en-US" dirty="0">
-                        <a:latin typeface="배달의민족 연성" panose="020B0600000101010101" pitchFamily="50" charset="-127"/>
-                        <a:ea typeface="배달의민족 연성" panose="020B0600000101010101" pitchFamily="50" charset="-127"/>
-                      </a:endParaRPr>
                     </a:p>
                   </a:txBody>
                   <a:tcPr anchor="ctr"/>
@@ -21262,13 +21094,13 @@
                     <a:p>
                       <a:pPr algn="ctr" latinLnBrk="1"/>
                       <a:r>
-                        <a:rPr lang="ko-KR" altLang="en-US" dirty="0" smtClean="0">
+                        <a:rPr lang="ko-KR" altLang="en-US" dirty="0">
                           <a:latin typeface="배달의민족 연성" panose="020B0600000101010101" pitchFamily="50" charset="-127"/>
                           <a:ea typeface="배달의민족 연성" panose="020B0600000101010101" pitchFamily="50" charset="-127"/>
                         </a:rPr>
                         <a:t>데이터를</a:t>
                       </a:r>
-                      <a:endParaRPr lang="en-US" altLang="ko-KR" dirty="0" smtClean="0">
+                      <a:endParaRPr lang="en-US" altLang="ko-KR" dirty="0">
                         <a:latin typeface="배달의민족 연성" panose="020B0600000101010101" pitchFamily="50" charset="-127"/>
                         <a:ea typeface="배달의민족 연성" panose="020B0600000101010101" pitchFamily="50" charset="-127"/>
                       </a:endParaRPr>
@@ -21276,16 +21108,12 @@
                     <a:p>
                       <a:pPr algn="ctr" latinLnBrk="1"/>
                       <a:r>
-                        <a:rPr lang="ko-KR" altLang="en-US" dirty="0" smtClean="0">
+                        <a:rPr lang="ko-KR" altLang="en-US" dirty="0">
                           <a:latin typeface="배달의민족 연성" panose="020B0600000101010101" pitchFamily="50" charset="-127"/>
                           <a:ea typeface="배달의민족 연성" panose="020B0600000101010101" pitchFamily="50" charset="-127"/>
                         </a:rPr>
                         <a:t>통한 서비스</a:t>
                       </a:r>
-                      <a:endParaRPr lang="ko-KR" altLang="en-US" dirty="0">
-                        <a:latin typeface="배달의민족 연성" panose="020B0600000101010101" pitchFamily="50" charset="-127"/>
-                        <a:ea typeface="배달의민족 연성" panose="020B0600000101010101" pitchFamily="50" charset="-127"/>
-                      </a:endParaRPr>
                     </a:p>
                   </a:txBody>
                   <a:tcPr anchor="ctr"/>
@@ -21980,7 +21808,7 @@
           </a:prstGeom>
           <a:extLst>
             <a:ext uri="{C572A759-6A51-4108-AA02-DFA0A04FC94B}">
-              <ma14:wrappingTextBoxFlag xmlns="" xmlns:m="http://schemas.openxmlformats.org/officeDocument/2006/math" xmlns:a14="http://schemas.microsoft.com/office/drawing/2010/main" xmlns:ma14="http://schemas.microsoft.com/office/mac/drawingml/2011/main" val="1"/>
+              <ma14:wrappingTextBoxFlag xmlns:ma14="http://schemas.microsoft.com/office/mac/drawingml/2011/main" xmlns:a14="http://schemas.microsoft.com/office/drawing/2010/main" xmlns:m="http://schemas.openxmlformats.org/officeDocument/2006/math" xmlns="" val="1"/>
             </a:ext>
           </a:extLst>
         </p:spPr>
@@ -22224,23 +22052,19 @@
           <a:lstStyle/>
           <a:p>
             <a:r>
-              <a:rPr lang="en-US" altLang="ko-KR" sz="1600" dirty="0" smtClean="0">
+              <a:rPr lang="en-US" altLang="ko-KR" sz="1600" dirty="0">
                 <a:latin typeface="배달의민족 연성" panose="020B0600000101010101" pitchFamily="50" charset="-127"/>
                 <a:ea typeface="배달의민족 연성" panose="020B0600000101010101" pitchFamily="50" charset="-127"/>
               </a:rPr>
               <a:t>K-Mean </a:t>
             </a:r>
             <a:r>
-              <a:rPr lang="ko-KR" altLang="en-US" sz="1600" dirty="0" smtClean="0">
+              <a:rPr lang="ko-KR" altLang="en-US" sz="1600" dirty="0">
                 <a:latin typeface="배달의민족 연성" panose="020B0600000101010101" pitchFamily="50" charset="-127"/>
                 <a:ea typeface="배달의민족 연성" panose="020B0600000101010101" pitchFamily="50" charset="-127"/>
               </a:rPr>
               <a:t>알고리즘 사용 예시</a:t>
             </a:r>
-            <a:endParaRPr lang="ko-KR" altLang="en-US" sz="1600" dirty="0">
-              <a:latin typeface="배달의민족 연성" panose="020B0600000101010101" pitchFamily="50" charset="-127"/>
-              <a:ea typeface="배달의민족 연성" panose="020B0600000101010101" pitchFamily="50" charset="-127"/>
-            </a:endParaRPr>
           </a:p>
         </p:txBody>
       </p:sp>
@@ -22267,34 +22091,27 @@
           <a:lstStyle/>
           <a:p>
             <a:r>
-              <a:rPr lang="en-US" altLang="ko-KR" sz="2800" dirty="0" smtClean="0">
+              <a:rPr lang="en-US" altLang="ko-KR" sz="2800" dirty="0">
                 <a:latin typeface="배달의민족 연성" panose="020B0600000101010101" pitchFamily="50" charset="-127"/>
                 <a:ea typeface="배달의민족 연성" panose="020B0600000101010101" pitchFamily="50" charset="-127"/>
               </a:rPr>
               <a:t>K-Mean </a:t>
             </a:r>
             <a:r>
-              <a:rPr lang="ko-KR" altLang="en-US" sz="2800" dirty="0" smtClean="0">
+              <a:rPr lang="ko-KR" altLang="en-US" sz="2800" dirty="0">
                 <a:latin typeface="배달의민족 연성" panose="020B0600000101010101" pitchFamily="50" charset="-127"/>
                 <a:ea typeface="배달의민족 연성" panose="020B0600000101010101" pitchFamily="50" charset="-127"/>
               </a:rPr>
               <a:t>알고리즘을 통해</a:t>
             </a:r>
-            <a:r>
-              <a:rPr lang="en-US" altLang="ko-KR" sz="2800" dirty="0" smtClean="0">
-                <a:latin typeface="배달의민족 연성" panose="020B0600000101010101" pitchFamily="50" charset="-127"/>
-                <a:ea typeface="배달의민족 연성" panose="020B0600000101010101" pitchFamily="50" charset="-127"/>
-              </a:rPr>
-              <a:t/>
-            </a:r>
             <a:br>
-              <a:rPr lang="en-US" altLang="ko-KR" sz="2800" dirty="0" smtClean="0">
+              <a:rPr lang="en-US" altLang="ko-KR" sz="2800" dirty="0">
                 <a:latin typeface="배달의민족 연성" panose="020B0600000101010101" pitchFamily="50" charset="-127"/>
                 <a:ea typeface="배달의민족 연성" panose="020B0600000101010101" pitchFamily="50" charset="-127"/>
               </a:rPr>
             </a:br>
             <a:r>
-              <a:rPr lang="ko-KR" altLang="en-US" sz="2800" dirty="0" smtClean="0">
+              <a:rPr lang="ko-KR" altLang="en-US" sz="2800" dirty="0">
                 <a:latin typeface="배달의민족 연성" panose="020B0600000101010101" pitchFamily="50" charset="-127"/>
                 <a:ea typeface="배달의민족 연성" panose="020B0600000101010101" pitchFamily="50" charset="-127"/>
               </a:rPr>
@@ -22308,16 +22125,12 @@
               <a:t> </a:t>
             </a:r>
             <a:r>
-              <a:rPr lang="ko-KR" altLang="en-US" sz="2800" dirty="0" smtClean="0">
+              <a:rPr lang="ko-KR" altLang="en-US" sz="2800" dirty="0">
                 <a:latin typeface="배달의민족 연성" panose="020B0600000101010101" pitchFamily="50" charset="-127"/>
                 <a:ea typeface="배달의민족 연성" panose="020B0600000101010101" pitchFamily="50" charset="-127"/>
               </a:rPr>
               <a:t>공통점을 찾아냄</a:t>
             </a:r>
-            <a:endParaRPr lang="ko-KR" altLang="en-US" sz="2800" dirty="0">
-              <a:latin typeface="배달의민족 연성" panose="020B0600000101010101" pitchFamily="50" charset="-127"/>
-              <a:ea typeface="배달의민족 연성" panose="020B0600000101010101" pitchFamily="50" charset="-127"/>
-            </a:endParaRPr>
           </a:p>
         </p:txBody>
       </p:sp>
@@ -22908,7 +22721,7 @@
           </a:prstGeom>
           <a:extLst>
             <a:ext uri="{C572A759-6A51-4108-AA02-DFA0A04FC94B}">
-              <ma14:wrappingTextBoxFlag xmlns="" xmlns:m="http://schemas.openxmlformats.org/officeDocument/2006/math" xmlns:a14="http://schemas.microsoft.com/office/drawing/2010/main" xmlns:ma14="http://schemas.microsoft.com/office/mac/drawingml/2011/main" val="1"/>
+              <ma14:wrappingTextBoxFlag xmlns:ma14="http://schemas.microsoft.com/office/mac/drawingml/2011/main" xmlns:a14="http://schemas.microsoft.com/office/drawing/2010/main" xmlns:m="http://schemas.openxmlformats.org/officeDocument/2006/math" xmlns="" val="1"/>
             </a:ext>
           </a:extLst>
         </p:spPr>
@@ -23165,9 +22978,7 @@
           <p:cNvGraphicFramePr>
             <a:graphicFrameLocks noGrp="1"/>
           </p:cNvGraphicFramePr>
-          <p:nvPr>
-            <p:extLst/>
-          </p:nvPr>
+          <p:nvPr/>
         </p:nvGraphicFramePr>
         <p:xfrm>
           <a:off x="239650" y="2405611"/>
